--- a/docs/mabool_thomson_cover.pptx
+++ b/docs/mabool_thomson_cover.pptx
@@ -7,20 +7,22 @@
   <p:sldIdLst>
     <p:sldId id="256" r:id="rId2"/>
     <p:sldId id="261" r:id="rId3"/>
-    <p:sldId id="266" r:id="rId4"/>
-    <p:sldId id="269" r:id="rId5"/>
-    <p:sldId id="264" r:id="rId6"/>
-    <p:sldId id="265" r:id="rId7"/>
-    <p:sldId id="272" r:id="rId8"/>
-    <p:sldId id="268" r:id="rId9"/>
-    <p:sldId id="262" r:id="rId10"/>
-    <p:sldId id="270" r:id="rId11"/>
-    <p:sldId id="271" r:id="rId12"/>
-    <p:sldId id="267" r:id="rId13"/>
-    <p:sldId id="273" r:id="rId14"/>
-    <p:sldId id="257" r:id="rId15"/>
-    <p:sldId id="259" r:id="rId16"/>
-    <p:sldId id="258" r:id="rId17"/>
+    <p:sldId id="275" r:id="rId4"/>
+    <p:sldId id="266" r:id="rId5"/>
+    <p:sldId id="274" r:id="rId6"/>
+    <p:sldId id="269" r:id="rId7"/>
+    <p:sldId id="264" r:id="rId8"/>
+    <p:sldId id="265" r:id="rId9"/>
+    <p:sldId id="272" r:id="rId10"/>
+    <p:sldId id="268" r:id="rId11"/>
+    <p:sldId id="262" r:id="rId12"/>
+    <p:sldId id="270" r:id="rId13"/>
+    <p:sldId id="271" r:id="rId14"/>
+    <p:sldId id="267" r:id="rId15"/>
+    <p:sldId id="273" r:id="rId16"/>
+    <p:sldId id="257" r:id="rId17"/>
+    <p:sldId id="259" r:id="rId18"/>
+    <p:sldId id="258" r:id="rId19"/>
   </p:sldIdLst>
   <p:sldSz cx="12192000" cy="6858000"/>
   <p:notesSz cx="6858000" cy="9144000"/>
@@ -285,7 +287,7 @@
           <a:p>
             <a:fld id="{BE9DA22A-5204-4573-9C67-011E2DB24967}" type="datetimeFigureOut">
               <a:rPr lang="fr-FR" smtClean="0"/>
-              <a:t>01/08/2022</a:t>
+              <a:t>01/01/2023</a:t>
             </a:fld>
             <a:endParaRPr lang="fr-FR"/>
           </a:p>
@@ -483,7 +485,7 @@
           <a:p>
             <a:fld id="{BE9DA22A-5204-4573-9C67-011E2DB24967}" type="datetimeFigureOut">
               <a:rPr lang="fr-FR" smtClean="0"/>
-              <a:t>01/08/2022</a:t>
+              <a:t>01/01/2023</a:t>
             </a:fld>
             <a:endParaRPr lang="fr-FR"/>
           </a:p>
@@ -691,7 +693,7 @@
           <a:p>
             <a:fld id="{BE9DA22A-5204-4573-9C67-011E2DB24967}" type="datetimeFigureOut">
               <a:rPr lang="fr-FR" smtClean="0"/>
-              <a:t>01/08/2022</a:t>
+              <a:t>01/01/2023</a:t>
             </a:fld>
             <a:endParaRPr lang="fr-FR"/>
           </a:p>
@@ -889,7 +891,7 @@
           <a:p>
             <a:fld id="{BE9DA22A-5204-4573-9C67-011E2DB24967}" type="datetimeFigureOut">
               <a:rPr lang="fr-FR" smtClean="0"/>
-              <a:t>01/08/2022</a:t>
+              <a:t>01/01/2023</a:t>
             </a:fld>
             <a:endParaRPr lang="fr-FR"/>
           </a:p>
@@ -1164,7 +1166,7 @@
           <a:p>
             <a:fld id="{BE9DA22A-5204-4573-9C67-011E2DB24967}" type="datetimeFigureOut">
               <a:rPr lang="fr-FR" smtClean="0"/>
-              <a:t>01/08/2022</a:t>
+              <a:t>01/01/2023</a:t>
             </a:fld>
             <a:endParaRPr lang="fr-FR"/>
           </a:p>
@@ -1429,7 +1431,7 @@
           <a:p>
             <a:fld id="{BE9DA22A-5204-4573-9C67-011E2DB24967}" type="datetimeFigureOut">
               <a:rPr lang="fr-FR" smtClean="0"/>
-              <a:t>01/08/2022</a:t>
+              <a:t>01/01/2023</a:t>
             </a:fld>
             <a:endParaRPr lang="fr-FR"/>
           </a:p>
@@ -1841,7 +1843,7 @@
           <a:p>
             <a:fld id="{BE9DA22A-5204-4573-9C67-011E2DB24967}" type="datetimeFigureOut">
               <a:rPr lang="fr-FR" smtClean="0"/>
-              <a:t>01/08/2022</a:t>
+              <a:t>01/01/2023</a:t>
             </a:fld>
             <a:endParaRPr lang="fr-FR"/>
           </a:p>
@@ -1982,7 +1984,7 @@
           <a:p>
             <a:fld id="{BE9DA22A-5204-4573-9C67-011E2DB24967}" type="datetimeFigureOut">
               <a:rPr lang="fr-FR" smtClean="0"/>
-              <a:t>01/08/2022</a:t>
+              <a:t>01/01/2023</a:t>
             </a:fld>
             <a:endParaRPr lang="fr-FR"/>
           </a:p>
@@ -2095,7 +2097,7 @@
           <a:p>
             <a:fld id="{BE9DA22A-5204-4573-9C67-011E2DB24967}" type="datetimeFigureOut">
               <a:rPr lang="fr-FR" smtClean="0"/>
-              <a:t>01/08/2022</a:t>
+              <a:t>01/01/2023</a:t>
             </a:fld>
             <a:endParaRPr lang="fr-FR"/>
           </a:p>
@@ -2406,7 +2408,7 @@
           <a:p>
             <a:fld id="{BE9DA22A-5204-4573-9C67-011E2DB24967}" type="datetimeFigureOut">
               <a:rPr lang="fr-FR" smtClean="0"/>
-              <a:t>01/08/2022</a:t>
+              <a:t>01/01/2023</a:t>
             </a:fld>
             <a:endParaRPr lang="fr-FR"/>
           </a:p>
@@ -2694,7 +2696,7 @@
           <a:p>
             <a:fld id="{BE9DA22A-5204-4573-9C67-011E2DB24967}" type="datetimeFigureOut">
               <a:rPr lang="fr-FR" smtClean="0"/>
-              <a:t>01/08/2022</a:t>
+              <a:t>01/01/2023</a:t>
             </a:fld>
             <a:endParaRPr lang="fr-FR"/>
           </a:p>
@@ -2935,7 +2937,7 @@
           <a:p>
             <a:fld id="{BE9DA22A-5204-4573-9C67-011E2DB24967}" type="datetimeFigureOut">
               <a:rPr lang="fr-FR" smtClean="0"/>
-              <a:t>01/08/2022</a:t>
+              <a:t>01/01/2023</a:t>
             </a:fld>
             <a:endParaRPr lang="fr-FR"/>
           </a:p>
@@ -4003,6 +4005,830 @@
           <p:spPr>
             <a:xfrm>
               <a:off x="1641769" y="846207"/>
+              <a:ext cx="5040458" cy="584775"/>
+            </a:xfrm>
+            <a:prstGeom prst="rect">
+              <a:avLst/>
+            </a:prstGeom>
+            <a:noFill/>
+          </p:spPr>
+          <p:txBody>
+            <a:bodyPr wrap="square" rtlCol="0">
+              <a:spAutoFit/>
+            </a:bodyPr>
+            <a:lstStyle/>
+            <a:p>
+              <a:r>
+                <a:rPr lang="fr-FR" sz="1600" b="1" dirty="0">
+                  <a:latin typeface="Century Gothic" panose="020B0502020202020204" pitchFamily="34" charset="0"/>
+                </a:rPr>
+                <a:t>OBJECTS AND TRAPS
+</a:t>
+              </a:r>
+            </a:p>
+          </p:txBody>
+        </p:sp>
+      </p:grpSp>
+      <p:cxnSp>
+        <p:nvCxnSpPr>
+          <p:cNvPr id="15" name="Connecteur droit 14">
+            <a:extLst>
+              <a:ext uri="{FF2B5EF4-FFF2-40B4-BE49-F238E27FC236}">
+                <a16:creationId xmlns:a16="http://schemas.microsoft.com/office/drawing/2014/main" id="{2C3CD1F2-CFD8-B187-5787-0AFC0DF5C0B9}"/>
+              </a:ext>
+            </a:extLst>
+          </p:cNvPr>
+          <p:cNvCxnSpPr/>
+          <p:nvPr/>
+        </p:nvCxnSpPr>
+        <p:spPr>
+          <a:xfrm>
+            <a:off x="1345018" y="6150279"/>
+            <a:ext cx="5108609" cy="0"/>
+          </a:xfrm>
+          <a:prstGeom prst="line">
+            <a:avLst/>
+          </a:prstGeom>
+          <a:ln w="38100">
+            <a:solidFill>
+              <a:schemeClr val="tx1"/>
+            </a:solidFill>
+          </a:ln>
+        </p:spPr>
+        <p:style>
+          <a:lnRef idx="1">
+            <a:schemeClr val="accent1"/>
+          </a:lnRef>
+          <a:fillRef idx="0">
+            <a:schemeClr val="accent1"/>
+          </a:fillRef>
+          <a:effectRef idx="0">
+            <a:schemeClr val="accent1"/>
+          </a:effectRef>
+          <a:fontRef idx="minor">
+            <a:schemeClr val="tx1"/>
+          </a:fontRef>
+        </p:style>
+      </p:cxnSp>
+      <p:sp>
+        <p:nvSpPr>
+          <p:cNvPr id="10" name="ZoneTexte 9">
+            <a:extLst>
+              <a:ext uri="{FF2B5EF4-FFF2-40B4-BE49-F238E27FC236}">
+                <a16:creationId xmlns:a16="http://schemas.microsoft.com/office/drawing/2014/main" id="{FE24B69D-C1A6-58C6-D56D-D2BD1D5CD9DC}"/>
+              </a:ext>
+            </a:extLst>
+          </p:cNvPr>
+          <p:cNvSpPr txBox="1"/>
+          <p:nvPr/>
+        </p:nvSpPr>
+        <p:spPr>
+          <a:xfrm>
+            <a:off x="1345018" y="140102"/>
+            <a:ext cx="5108608" cy="369332"/>
+          </a:xfrm>
+          <a:prstGeom prst="rect">
+            <a:avLst/>
+          </a:prstGeom>
+          <a:solidFill>
+            <a:schemeClr val="tx1"/>
+          </a:solidFill>
+        </p:spPr>
+        <p:txBody>
+          <a:bodyPr wrap="square" rtlCol="0">
+            <a:spAutoFit/>
+          </a:bodyPr>
+          <a:lstStyle/>
+          <a:p>
+            <a:pPr algn="r"/>
+            <a:r>
+              <a:rPr lang="fr-FR" b="1" dirty="0">
+                <a:solidFill>
+                  <a:schemeClr val="bg1"/>
+                </a:solidFill>
+                <a:latin typeface="Century Gothic" panose="020B0502020202020204" pitchFamily="34" charset="0"/>
+              </a:rPr>
+              <a:t>English</a:t>
+            </a:r>
+          </a:p>
+        </p:txBody>
+      </p:sp>
+      <p:pic>
+        <p:nvPicPr>
+          <p:cNvPr id="17" name="Image 16">
+            <a:extLst>
+              <a:ext uri="{FF2B5EF4-FFF2-40B4-BE49-F238E27FC236}">
+                <a16:creationId xmlns:a16="http://schemas.microsoft.com/office/drawing/2014/main" id="{8226D2FA-6059-D647-E7E9-B40CB6B45F0E}"/>
+              </a:ext>
+            </a:extLst>
+          </p:cNvPr>
+          <p:cNvPicPr>
+            <a:picLocks noChangeAspect="1"/>
+          </p:cNvPicPr>
+          <p:nvPr/>
+        </p:nvPicPr>
+        <p:blipFill>
+          <a:blip r:embed="rId2"/>
+          <a:stretch>
+            <a:fillRect/>
+          </a:stretch>
+        </p:blipFill>
+        <p:spPr>
+          <a:xfrm>
+            <a:off x="2077756" y="1899693"/>
+            <a:ext cx="446021" cy="557526"/>
+          </a:xfrm>
+          <a:prstGeom prst="rect">
+            <a:avLst/>
+          </a:prstGeom>
+        </p:spPr>
+      </p:pic>
+      <p:pic>
+        <p:nvPicPr>
+          <p:cNvPr id="3" name="Image 2">
+            <a:extLst>
+              <a:ext uri="{FF2B5EF4-FFF2-40B4-BE49-F238E27FC236}">
+                <a16:creationId xmlns:a16="http://schemas.microsoft.com/office/drawing/2014/main" id="{C8DEBCB2-9AF9-01A5-C82E-75A9C3BB636F}"/>
+              </a:ext>
+            </a:extLst>
+          </p:cNvPr>
+          <p:cNvPicPr>
+            <a:picLocks noChangeAspect="1"/>
+          </p:cNvPicPr>
+          <p:nvPr/>
+        </p:nvPicPr>
+        <p:blipFill>
+          <a:blip r:embed="rId3"/>
+          <a:stretch>
+            <a:fillRect/>
+          </a:stretch>
+        </p:blipFill>
+        <p:spPr>
+          <a:xfrm>
+            <a:off x="2049878" y="1203703"/>
+            <a:ext cx="473899" cy="557528"/>
+          </a:xfrm>
+          <a:prstGeom prst="rect">
+            <a:avLst/>
+          </a:prstGeom>
+        </p:spPr>
+      </p:pic>
+      <p:sp>
+        <p:nvSpPr>
+          <p:cNvPr id="24" name="ZoneTexte 23">
+            <a:extLst>
+              <a:ext uri="{FF2B5EF4-FFF2-40B4-BE49-F238E27FC236}">
+                <a16:creationId xmlns:a16="http://schemas.microsoft.com/office/drawing/2014/main" id="{ED98CC45-A2B6-B3E9-6077-4EDFF52CAF67}"/>
+              </a:ext>
+            </a:extLst>
+          </p:cNvPr>
+          <p:cNvSpPr txBox="1"/>
+          <p:nvPr/>
+        </p:nvSpPr>
+        <p:spPr>
+          <a:xfrm>
+            <a:off x="2676178" y="1131579"/>
+            <a:ext cx="3777448" cy="523220"/>
+          </a:xfrm>
+          <a:prstGeom prst="rect">
+            <a:avLst/>
+          </a:prstGeom>
+          <a:noFill/>
+        </p:spPr>
+        <p:txBody>
+          <a:bodyPr wrap="square" rtlCol="0">
+            <a:spAutoFit/>
+          </a:bodyPr>
+          <a:lstStyle/>
+          <a:p>
+            <a:r>
+              <a:rPr lang="fr-FR" sz="1600" i="1" dirty="0">
+                <a:latin typeface="Century Gothic" panose="020B0502020202020204" pitchFamily="34" charset="0"/>
+              </a:rPr>
+              <a:t>Fragile slab</a:t>
+            </a:r>
+            <a:br>
+              <a:rPr lang="fr-FR" sz="1600" i="1" dirty="0">
+                <a:latin typeface="Century Gothic" panose="020B0502020202020204" pitchFamily="34" charset="0"/>
+              </a:rPr>
+            </a:br>
+            <a:r>
+              <a:rPr lang="en-US" sz="1200" i="1" dirty="0">
+                <a:latin typeface="Century Gothic" panose="020B0502020202020204" pitchFamily="34" charset="0"/>
+              </a:rPr>
+              <a:t>They disappear after the passage of </a:t>
+            </a:r>
+            <a:r>
+              <a:rPr lang="en-US" sz="1200" i="1" dirty="0" err="1">
+                <a:latin typeface="Century Gothic" panose="020B0502020202020204" pitchFamily="34" charset="0"/>
+              </a:rPr>
+              <a:t>Mabool</a:t>
+            </a:r>
+            <a:r>
+              <a:rPr lang="fr-FR" sz="1200" i="1" dirty="0">
+                <a:latin typeface="Century Gothic" panose="020B0502020202020204" pitchFamily="34" charset="0"/>
+              </a:rPr>
+              <a:t>.</a:t>
+            </a:r>
+          </a:p>
+        </p:txBody>
+      </p:sp>
+      <p:pic>
+        <p:nvPicPr>
+          <p:cNvPr id="8" name="Image 7">
+            <a:extLst>
+              <a:ext uri="{FF2B5EF4-FFF2-40B4-BE49-F238E27FC236}">
+                <a16:creationId xmlns:a16="http://schemas.microsoft.com/office/drawing/2014/main" id="{A0B25B66-3FF9-E571-98EE-C2297F88CFB0}"/>
+              </a:ext>
+            </a:extLst>
+          </p:cNvPr>
+          <p:cNvPicPr>
+            <a:picLocks noChangeAspect="1"/>
+          </p:cNvPicPr>
+          <p:nvPr/>
+        </p:nvPicPr>
+        <p:blipFill>
+          <a:blip r:embed="rId4"/>
+          <a:stretch>
+            <a:fillRect/>
+          </a:stretch>
+        </p:blipFill>
+        <p:spPr>
+          <a:xfrm>
+            <a:off x="2077756" y="1907181"/>
+            <a:ext cx="456043" cy="570053"/>
+          </a:xfrm>
+          <a:prstGeom prst="rect">
+            <a:avLst/>
+          </a:prstGeom>
+        </p:spPr>
+      </p:pic>
+      <p:sp>
+        <p:nvSpPr>
+          <p:cNvPr id="29" name="ZoneTexte 28">
+            <a:extLst>
+              <a:ext uri="{FF2B5EF4-FFF2-40B4-BE49-F238E27FC236}">
+                <a16:creationId xmlns:a16="http://schemas.microsoft.com/office/drawing/2014/main" id="{25CE2FC1-023D-CD1B-454B-B8F17FF09111}"/>
+              </a:ext>
+            </a:extLst>
+          </p:cNvPr>
+          <p:cNvSpPr txBox="1"/>
+          <p:nvPr/>
+        </p:nvSpPr>
+        <p:spPr>
+          <a:xfrm>
+            <a:off x="2676178" y="1831883"/>
+            <a:ext cx="3777448" cy="892552"/>
+          </a:xfrm>
+          <a:prstGeom prst="rect">
+            <a:avLst/>
+          </a:prstGeom>
+          <a:noFill/>
+        </p:spPr>
+        <p:txBody>
+          <a:bodyPr wrap="square" rtlCol="0">
+            <a:spAutoFit/>
+          </a:bodyPr>
+          <a:lstStyle/>
+          <a:p>
+            <a:r>
+              <a:rPr lang="fr-FR" sz="1600" i="1" dirty="0">
+                <a:latin typeface="Century Gothic" panose="020B0502020202020204" pitchFamily="34" charset="0"/>
+              </a:rPr>
+              <a:t>Laser switch </a:t>
+            </a:r>
+            <a:br>
+              <a:rPr lang="fr-FR" sz="1600" i="1" dirty="0">
+                <a:latin typeface="Century Gothic" panose="020B0502020202020204" pitchFamily="34" charset="0"/>
+              </a:rPr>
+            </a:br>
+            <a:r>
+              <a:rPr lang="en-US" sz="1200" i="1" dirty="0">
+                <a:latin typeface="Century Gothic" panose="020B0502020202020204" pitchFamily="34" charset="0"/>
+              </a:rPr>
+              <a:t>Stand in front of a switch and move in the direction of the switch to disable the lasers in the room</a:t>
+            </a:r>
+            <a:r>
+              <a:rPr lang="fr-FR" sz="1200" i="1" dirty="0">
+                <a:latin typeface="Century Gothic" panose="020B0502020202020204" pitchFamily="34" charset="0"/>
+              </a:rPr>
+              <a:t>.</a:t>
+            </a:r>
+          </a:p>
+        </p:txBody>
+      </p:sp>
+      <p:pic>
+        <p:nvPicPr>
+          <p:cNvPr id="19" name="Image 18">
+            <a:extLst>
+              <a:ext uri="{FF2B5EF4-FFF2-40B4-BE49-F238E27FC236}">
+                <a16:creationId xmlns:a16="http://schemas.microsoft.com/office/drawing/2014/main" id="{ECE7DD4E-FE23-6252-C857-F3DD5B5D13F4}"/>
+              </a:ext>
+            </a:extLst>
+          </p:cNvPr>
+          <p:cNvPicPr>
+            <a:picLocks noChangeAspect="1"/>
+          </p:cNvPicPr>
+          <p:nvPr/>
+        </p:nvPicPr>
+        <p:blipFill>
+          <a:blip r:embed="rId5"/>
+          <a:stretch>
+            <a:fillRect/>
+          </a:stretch>
+        </p:blipFill>
+        <p:spPr>
+          <a:xfrm>
+            <a:off x="2077756" y="2786402"/>
+            <a:ext cx="456043" cy="570054"/>
+          </a:xfrm>
+          <a:prstGeom prst="rect">
+            <a:avLst/>
+          </a:prstGeom>
+        </p:spPr>
+      </p:pic>
+      <p:sp>
+        <p:nvSpPr>
+          <p:cNvPr id="32" name="ZoneTexte 31">
+            <a:extLst>
+              <a:ext uri="{FF2B5EF4-FFF2-40B4-BE49-F238E27FC236}">
+                <a16:creationId xmlns:a16="http://schemas.microsoft.com/office/drawing/2014/main" id="{A19710E1-B3AA-C657-130B-6C4E2BC2403D}"/>
+              </a:ext>
+            </a:extLst>
+          </p:cNvPr>
+          <p:cNvSpPr txBox="1"/>
+          <p:nvPr/>
+        </p:nvSpPr>
+        <p:spPr>
+          <a:xfrm>
+            <a:off x="2676178" y="2696567"/>
+            <a:ext cx="3777448" cy="707886"/>
+          </a:xfrm>
+          <a:prstGeom prst="rect">
+            <a:avLst/>
+          </a:prstGeom>
+          <a:noFill/>
+        </p:spPr>
+        <p:txBody>
+          <a:bodyPr wrap="square" rtlCol="0">
+            <a:spAutoFit/>
+          </a:bodyPr>
+          <a:lstStyle/>
+          <a:p>
+            <a:r>
+              <a:rPr lang="fr-FR" sz="1600" i="1" dirty="0" err="1">
+                <a:latin typeface="Century Gothic" panose="020B0502020202020204" pitchFamily="34" charset="0"/>
+              </a:rPr>
+              <a:t>Wooden</a:t>
+            </a:r>
+            <a:r>
+              <a:rPr lang="fr-FR" sz="1600" i="1" dirty="0">
+                <a:latin typeface="Century Gothic" panose="020B0502020202020204" pitchFamily="34" charset="0"/>
+              </a:rPr>
+              <a:t> box</a:t>
+            </a:r>
+            <a:br>
+              <a:rPr lang="fr-FR" sz="1600" i="1" dirty="0">
+                <a:latin typeface="Century Gothic" panose="020B0502020202020204" pitchFamily="34" charset="0"/>
+              </a:rPr>
+            </a:br>
+            <a:r>
+              <a:rPr lang="en-US" sz="1200" i="1" dirty="0" err="1">
+                <a:latin typeface="Century Gothic" panose="020B0502020202020204" pitchFamily="34" charset="0"/>
+              </a:rPr>
+              <a:t>Mabool</a:t>
+            </a:r>
+            <a:r>
+              <a:rPr lang="en-US" sz="1200" i="1" dirty="0">
+                <a:latin typeface="Century Gothic" panose="020B0502020202020204" pitchFamily="34" charset="0"/>
+              </a:rPr>
+              <a:t> can move these crates by pushing them. Be careful not to block a passage!</a:t>
+            </a:r>
+            <a:endParaRPr lang="fr-FR" sz="1200" i="1" dirty="0">
+              <a:latin typeface="Century Gothic" panose="020B0502020202020204" pitchFamily="34" charset="0"/>
+            </a:endParaRPr>
+          </a:p>
+        </p:txBody>
+      </p:sp>
+      <p:pic>
+        <p:nvPicPr>
+          <p:cNvPr id="16" name="Image 15">
+            <a:extLst>
+              <a:ext uri="{FF2B5EF4-FFF2-40B4-BE49-F238E27FC236}">
+                <a16:creationId xmlns:a16="http://schemas.microsoft.com/office/drawing/2014/main" id="{0F7FD0EC-C091-4DB1-02A1-3BE19A1A56E2}"/>
+              </a:ext>
+            </a:extLst>
+          </p:cNvPr>
+          <p:cNvPicPr>
+            <a:picLocks noChangeAspect="1"/>
+          </p:cNvPicPr>
+          <p:nvPr/>
+        </p:nvPicPr>
+        <p:blipFill rotWithShape="1">
+          <a:blip r:embed="rId6"/>
+          <a:srcRect b="59564"/>
+          <a:stretch/>
+        </p:blipFill>
+        <p:spPr>
+          <a:xfrm>
+            <a:off x="2777383" y="6373547"/>
+            <a:ext cx="2243877" cy="256324"/>
+          </a:xfrm>
+          <a:prstGeom prst="rect">
+            <a:avLst/>
+          </a:prstGeom>
+        </p:spPr>
+      </p:pic>
+    </p:spTree>
+    <p:extLst>
+      <p:ext uri="{BB962C8B-B14F-4D97-AF65-F5344CB8AC3E}">
+        <p14:creationId xmlns:p14="http://schemas.microsoft.com/office/powerpoint/2010/main" val="3081842583"/>
+      </p:ext>
+    </p:extLst>
+  </p:cSld>
+  <p:clrMapOvr>
+    <a:masterClrMapping/>
+  </p:clrMapOvr>
+</p:sld>
+</file>
+
+<file path=ppt/slides/slide11.xml><?xml version="1.0" encoding="utf-8"?>
+<p:sld xmlns:a="http://schemas.openxmlformats.org/drawingml/2006/main" xmlns:r="http://schemas.openxmlformats.org/officeDocument/2006/relationships" xmlns:p="http://schemas.openxmlformats.org/presentationml/2006/main">
+  <p:cSld>
+    <p:spTree>
+      <p:nvGrpSpPr>
+        <p:cNvPr id="1" name=""/>
+        <p:cNvGrpSpPr/>
+        <p:nvPr/>
+      </p:nvGrpSpPr>
+      <p:grpSpPr>
+        <a:xfrm>
+          <a:off x="0" y="0"/>
+          <a:ext cx="0" cy="0"/>
+          <a:chOff x="0" y="0"/>
+          <a:chExt cx="0" cy="0"/>
+        </a:xfrm>
+      </p:grpSpPr>
+      <p:grpSp>
+        <p:nvGrpSpPr>
+          <p:cNvPr id="4" name="Groupe 3">
+            <a:extLst>
+              <a:ext uri="{FF2B5EF4-FFF2-40B4-BE49-F238E27FC236}">
+                <a16:creationId xmlns:a16="http://schemas.microsoft.com/office/drawing/2014/main" id="{245F472C-B6B9-EBE9-A183-510A380574F9}"/>
+              </a:ext>
+            </a:extLst>
+          </p:cNvPr>
+          <p:cNvGrpSpPr/>
+          <p:nvPr/>
+        </p:nvGrpSpPr>
+        <p:grpSpPr>
+          <a:xfrm>
+            <a:off x="1345018" y="0"/>
+            <a:ext cx="5108609" cy="6853139"/>
+            <a:chOff x="1573618" y="156802"/>
+            <a:chExt cx="5108609" cy="6853139"/>
+          </a:xfrm>
+          <a:solidFill>
+            <a:schemeClr val="bg1"/>
+          </a:solidFill>
+        </p:grpSpPr>
+        <p:sp>
+          <p:nvSpPr>
+            <p:cNvPr id="5" name="Rectangle 4">
+              <a:extLst>
+                <a:ext uri="{FF2B5EF4-FFF2-40B4-BE49-F238E27FC236}">
+                  <a16:creationId xmlns:a16="http://schemas.microsoft.com/office/drawing/2014/main" id="{EA6271CB-7CB1-8AF6-1FA1-E3EF4709453A}"/>
+                </a:ext>
+              </a:extLst>
+            </p:cNvPr>
+            <p:cNvSpPr/>
+            <p:nvPr/>
+          </p:nvSpPr>
+          <p:spPr>
+            <a:xfrm>
+              <a:off x="1573618" y="156802"/>
+              <a:ext cx="5108609" cy="6853139"/>
+            </a:xfrm>
+            <a:prstGeom prst="rect">
+              <a:avLst/>
+            </a:prstGeom>
+            <a:grpFill/>
+            <a:ln>
+              <a:solidFill>
+                <a:schemeClr val="bg1">
+                  <a:lumMod val="85000"/>
+                </a:schemeClr>
+              </a:solidFill>
+            </a:ln>
+          </p:spPr>
+          <p:style>
+            <a:lnRef idx="2">
+              <a:schemeClr val="accent1">
+                <a:shade val="50000"/>
+              </a:schemeClr>
+            </a:lnRef>
+            <a:fillRef idx="1">
+              <a:schemeClr val="accent1"/>
+            </a:fillRef>
+            <a:effectRef idx="0">
+              <a:schemeClr val="accent1"/>
+            </a:effectRef>
+            <a:fontRef idx="minor">
+              <a:schemeClr val="lt1"/>
+            </a:fontRef>
+          </p:style>
+          <p:txBody>
+            <a:bodyPr rtlCol="0" anchor="ctr"/>
+            <a:lstStyle/>
+            <a:p>
+              <a:pPr algn="ctr"/>
+              <a:endParaRPr lang="fr-FR"/>
+            </a:p>
+          </p:txBody>
+        </p:sp>
+        <p:sp>
+          <p:nvSpPr>
+            <p:cNvPr id="9" name="ZoneTexte 8">
+              <a:extLst>
+                <a:ext uri="{FF2B5EF4-FFF2-40B4-BE49-F238E27FC236}">
+                  <a16:creationId xmlns:a16="http://schemas.microsoft.com/office/drawing/2014/main" id="{7BF7CDFD-AAD3-9FA2-5875-D712D95DEF02}"/>
+                </a:ext>
+              </a:extLst>
+            </p:cNvPr>
+            <p:cNvSpPr txBox="1"/>
+            <p:nvPr/>
+          </p:nvSpPr>
+          <p:spPr>
+            <a:xfrm>
+              <a:off x="1573618" y="2438653"/>
+              <a:ext cx="5108609" cy="892552"/>
+            </a:xfrm>
+            <a:prstGeom prst="rect">
+              <a:avLst/>
+            </a:prstGeom>
+            <a:noFill/>
+          </p:spPr>
+          <p:txBody>
+            <a:bodyPr wrap="square" rtlCol="0">
+              <a:spAutoFit/>
+            </a:bodyPr>
+            <a:lstStyle/>
+            <a:p>
+              <a:pPr algn="ctr"/>
+              <a:r>
+                <a:rPr lang="fr-FR" sz="3600" b="1" dirty="0">
+                  <a:latin typeface="Century Gothic" panose="020B0502020202020204" pitchFamily="34" charset="0"/>
+                </a:rPr>
+                <a:t>MABOOL</a:t>
+              </a:r>
+              <a:br>
+                <a:rPr lang="fr-FR" sz="3600" b="1" dirty="0">
+                  <a:latin typeface="Century Gothic" panose="020B0502020202020204" pitchFamily="34" charset="0"/>
+                </a:rPr>
+              </a:br>
+              <a:r>
+                <a:rPr lang="fr-FR" sz="1600" b="1" dirty="0">
+                  <a:latin typeface="Century Gothic" panose="020B0502020202020204" pitchFamily="34" charset="0"/>
+                </a:rPr>
+                <a:t>pour Thomson MO5 et TO7-70</a:t>
+              </a:r>
+              <a:endParaRPr lang="fr-FR" sz="3600" b="1" dirty="0">
+                <a:latin typeface="Century Gothic" panose="020B0502020202020204" pitchFamily="34" charset="0"/>
+              </a:endParaRPr>
+            </a:p>
+          </p:txBody>
+        </p:sp>
+      </p:grpSp>
+      <p:sp>
+        <p:nvSpPr>
+          <p:cNvPr id="13" name="ZoneTexte 12">
+            <a:extLst>
+              <a:ext uri="{FF2B5EF4-FFF2-40B4-BE49-F238E27FC236}">
+                <a16:creationId xmlns:a16="http://schemas.microsoft.com/office/drawing/2014/main" id="{C5B08FF6-5C11-F8A0-EBAC-5FEF89CA0E8D}"/>
+              </a:ext>
+            </a:extLst>
+          </p:cNvPr>
+          <p:cNvSpPr txBox="1"/>
+          <p:nvPr/>
+        </p:nvSpPr>
+        <p:spPr>
+          <a:xfrm>
+            <a:off x="1345018" y="5460958"/>
+            <a:ext cx="5108609" cy="369332"/>
+          </a:xfrm>
+          <a:prstGeom prst="rect">
+            <a:avLst/>
+          </a:prstGeom>
+          <a:noFill/>
+        </p:spPr>
+        <p:txBody>
+          <a:bodyPr wrap="square" rtlCol="0">
+            <a:spAutoFit/>
+          </a:bodyPr>
+          <a:lstStyle/>
+          <a:p>
+            <a:pPr algn="ctr"/>
+            <a:r>
+              <a:rPr lang="fr-FR" b="1" dirty="0">
+                <a:latin typeface="Century Gothic" panose="020B0502020202020204" pitchFamily="34" charset="0"/>
+              </a:rPr>
+              <a:t>Baptiste Bideaux ©2022</a:t>
+            </a:r>
+          </a:p>
+        </p:txBody>
+      </p:sp>
+      <p:cxnSp>
+        <p:nvCxnSpPr>
+          <p:cNvPr id="15" name="Connecteur droit 14">
+            <a:extLst>
+              <a:ext uri="{FF2B5EF4-FFF2-40B4-BE49-F238E27FC236}">
+                <a16:creationId xmlns:a16="http://schemas.microsoft.com/office/drawing/2014/main" id="{2C3CD1F2-CFD8-B187-5787-0AFC0DF5C0B9}"/>
+              </a:ext>
+            </a:extLst>
+          </p:cNvPr>
+          <p:cNvCxnSpPr/>
+          <p:nvPr/>
+        </p:nvCxnSpPr>
+        <p:spPr>
+          <a:xfrm>
+            <a:off x="1345018" y="6150279"/>
+            <a:ext cx="5108609" cy="0"/>
+          </a:xfrm>
+          <a:prstGeom prst="line">
+            <a:avLst/>
+          </a:prstGeom>
+          <a:ln w="38100">
+            <a:solidFill>
+              <a:schemeClr val="tx1"/>
+            </a:solidFill>
+          </a:ln>
+        </p:spPr>
+        <p:style>
+          <a:lnRef idx="1">
+            <a:schemeClr val="accent1"/>
+          </a:lnRef>
+          <a:fillRef idx="0">
+            <a:schemeClr val="accent1"/>
+          </a:fillRef>
+          <a:effectRef idx="0">
+            <a:schemeClr val="accent1"/>
+          </a:effectRef>
+          <a:fontRef idx="minor">
+            <a:schemeClr val="tx1"/>
+          </a:fontRef>
+        </p:style>
+      </p:cxnSp>
+      <p:pic>
+        <p:nvPicPr>
+          <p:cNvPr id="10" name="Image 9">
+            <a:extLst>
+              <a:ext uri="{FF2B5EF4-FFF2-40B4-BE49-F238E27FC236}">
+                <a16:creationId xmlns:a16="http://schemas.microsoft.com/office/drawing/2014/main" id="{83D03EB0-BCEE-CEBC-E3B3-A3B4ED9D64F6}"/>
+              </a:ext>
+            </a:extLst>
+          </p:cNvPr>
+          <p:cNvPicPr>
+            <a:picLocks noChangeAspect="1"/>
+          </p:cNvPicPr>
+          <p:nvPr/>
+        </p:nvPicPr>
+        <p:blipFill rotWithShape="1">
+          <a:blip r:embed="rId2"/>
+          <a:srcRect b="59564"/>
+          <a:stretch/>
+        </p:blipFill>
+        <p:spPr>
+          <a:xfrm>
+            <a:off x="2777383" y="6373547"/>
+            <a:ext cx="2243877" cy="256324"/>
+          </a:xfrm>
+          <a:prstGeom prst="rect">
+            <a:avLst/>
+          </a:prstGeom>
+        </p:spPr>
+      </p:pic>
+    </p:spTree>
+    <p:extLst>
+      <p:ext uri="{BB962C8B-B14F-4D97-AF65-F5344CB8AC3E}">
+        <p14:creationId xmlns:p14="http://schemas.microsoft.com/office/powerpoint/2010/main" val="1985006253"/>
+      </p:ext>
+    </p:extLst>
+  </p:cSld>
+  <p:clrMapOvr>
+    <a:masterClrMapping/>
+  </p:clrMapOvr>
+</p:sld>
+</file>
+
+<file path=ppt/slides/slide12.xml><?xml version="1.0" encoding="utf-8"?>
+<p:sld xmlns:a="http://schemas.openxmlformats.org/drawingml/2006/main" xmlns:r="http://schemas.openxmlformats.org/officeDocument/2006/relationships" xmlns:p="http://schemas.openxmlformats.org/presentationml/2006/main">
+  <p:cSld>
+    <p:spTree>
+      <p:nvGrpSpPr>
+        <p:cNvPr id="1" name=""/>
+        <p:cNvGrpSpPr/>
+        <p:nvPr/>
+      </p:nvGrpSpPr>
+      <p:grpSpPr>
+        <a:xfrm>
+          <a:off x="0" y="0"/>
+          <a:ext cx="0" cy="0"/>
+          <a:chOff x="0" y="0"/>
+          <a:chExt cx="0" cy="0"/>
+        </a:xfrm>
+      </p:grpSpPr>
+      <p:grpSp>
+        <p:nvGrpSpPr>
+          <p:cNvPr id="4" name="Groupe 3">
+            <a:extLst>
+              <a:ext uri="{FF2B5EF4-FFF2-40B4-BE49-F238E27FC236}">
+                <a16:creationId xmlns:a16="http://schemas.microsoft.com/office/drawing/2014/main" id="{245F472C-B6B9-EBE9-A183-510A380574F9}"/>
+              </a:ext>
+            </a:extLst>
+          </p:cNvPr>
+          <p:cNvGrpSpPr/>
+          <p:nvPr/>
+        </p:nvGrpSpPr>
+        <p:grpSpPr>
+          <a:xfrm>
+            <a:off x="1345018" y="0"/>
+            <a:ext cx="5108609" cy="6853139"/>
+            <a:chOff x="1573618" y="156802"/>
+            <a:chExt cx="5108609" cy="6853139"/>
+          </a:xfrm>
+          <a:solidFill>
+            <a:schemeClr val="bg1"/>
+          </a:solidFill>
+        </p:grpSpPr>
+        <p:sp>
+          <p:nvSpPr>
+            <p:cNvPr id="5" name="Rectangle 4">
+              <a:extLst>
+                <a:ext uri="{FF2B5EF4-FFF2-40B4-BE49-F238E27FC236}">
+                  <a16:creationId xmlns:a16="http://schemas.microsoft.com/office/drawing/2014/main" id="{EA6271CB-7CB1-8AF6-1FA1-E3EF4709453A}"/>
+                </a:ext>
+              </a:extLst>
+            </p:cNvPr>
+            <p:cNvSpPr/>
+            <p:nvPr/>
+          </p:nvSpPr>
+          <p:spPr>
+            <a:xfrm>
+              <a:off x="1573618" y="156802"/>
+              <a:ext cx="5108609" cy="6853139"/>
+            </a:xfrm>
+            <a:prstGeom prst="rect">
+              <a:avLst/>
+            </a:prstGeom>
+            <a:grpFill/>
+            <a:ln>
+              <a:solidFill>
+                <a:schemeClr val="bg1">
+                  <a:lumMod val="85000"/>
+                </a:schemeClr>
+              </a:solidFill>
+            </a:ln>
+          </p:spPr>
+          <p:style>
+            <a:lnRef idx="2">
+              <a:schemeClr val="accent1">
+                <a:shade val="50000"/>
+              </a:schemeClr>
+            </a:lnRef>
+            <a:fillRef idx="1">
+              <a:schemeClr val="accent1"/>
+            </a:fillRef>
+            <a:effectRef idx="0">
+              <a:schemeClr val="accent1"/>
+            </a:effectRef>
+            <a:fontRef idx="minor">
+              <a:schemeClr val="lt1"/>
+            </a:fontRef>
+          </p:style>
+          <p:txBody>
+            <a:bodyPr rtlCol="0" anchor="ctr"/>
+            <a:lstStyle/>
+            <a:p>
+              <a:pPr algn="ctr"/>
+              <a:endParaRPr lang="fr-FR"/>
+            </a:p>
+          </p:txBody>
+        </p:sp>
+        <p:sp>
+          <p:nvSpPr>
+            <p:cNvPr id="9" name="ZoneTexte 8">
+              <a:extLst>
+                <a:ext uri="{FF2B5EF4-FFF2-40B4-BE49-F238E27FC236}">
+                  <a16:creationId xmlns:a16="http://schemas.microsoft.com/office/drawing/2014/main" id="{7BF7CDFD-AAD3-9FA2-5875-D712D95DEF02}"/>
+                </a:ext>
+              </a:extLst>
+            </p:cNvPr>
+            <p:cNvSpPr txBox="1"/>
+            <p:nvPr/>
+          </p:nvSpPr>
+          <p:spPr>
+            <a:xfrm>
+              <a:off x="1641769" y="846207"/>
               <a:ext cx="5040458" cy="5016758"/>
             </a:xfrm>
             <a:prstGeom prst="rect">
@@ -4040,19 +4866,7 @@
                 <a:rPr lang="fr-FR" sz="1600" dirty="0">
                   <a:latin typeface="Century Gothic" panose="020B0502020202020204" pitchFamily="34" charset="0"/>
                 </a:rPr>
-                <a:t>, aventurier </a:t>
-              </a:r>
-              <a:r>
-                <a:rPr lang="fr-FR" sz="1600" dirty="0" err="1">
-                  <a:latin typeface="Century Gothic" panose="020B0502020202020204" pitchFamily="34" charset="0"/>
-                </a:rPr>
-                <a:t>rondillouard</a:t>
-              </a:r>
-              <a:r>
-                <a:rPr lang="fr-FR" sz="1600" dirty="0">
-                  <a:latin typeface="Century Gothic" panose="020B0502020202020204" pitchFamily="34" charset="0"/>
-                </a:rPr>
-                <a:t>, se retrouve enfermé dans un château obscure. Afin de s’échapper, il devra sortir de chacune des salles de ce lugubre bâtiment, en ramassant toutes les étoiles et clé présentes, qui ouvriront la porte de sortie.</a:t>
+                <a:t>, aventurier rondouillard, se retrouve enfermé dans un château obscur. Afin de s’échapper, il devra sortir de chacune des salles de ce lugubre bâtiment, en ramassant toutes les étoiles et clés présentes, qui ouvriront la porte de sortie.</a:t>
               </a:r>
             </a:p>
             <a:p>
@@ -4241,7 +5055,7 @@
 </p:sld>
 </file>
 
-<file path=ppt/slides/slide11.xml><?xml version="1.0" encoding="utf-8"?>
+<file path=ppt/slides/slide13.xml><?xml version="1.0" encoding="utf-8"?>
 <p:sld xmlns:a="http://schemas.openxmlformats.org/drawingml/2006/main" xmlns:r="http://schemas.openxmlformats.org/officeDocument/2006/relationships" xmlns:p="http://schemas.openxmlformats.org/presentationml/2006/main">
   <p:cSld>
     <p:spTree>
@@ -4634,7 +5448,7 @@
 </p:sld>
 </file>
 
-<file path=ppt/slides/slide12.xml><?xml version="1.0" encoding="utf-8"?>
+<file path=ppt/slides/slide14.xml><?xml version="1.0" encoding="utf-8"?>
 <p:sld xmlns:a="http://schemas.openxmlformats.org/drawingml/2006/main" xmlns:r="http://schemas.openxmlformats.org/officeDocument/2006/relationships" xmlns:p="http://schemas.openxmlformats.org/presentationml/2006/main">
   <p:cSld>
     <p:spTree>
@@ -5439,7 +6253,7 @@
 </p:sld>
 </file>
 
-<file path=ppt/slides/slide13.xml><?xml version="1.0" encoding="utf-8"?>
+<file path=ppt/slides/slide15.xml><?xml version="1.0" encoding="utf-8"?>
 <p:sld xmlns:a="http://schemas.openxmlformats.org/drawingml/2006/main" xmlns:r="http://schemas.openxmlformats.org/officeDocument/2006/relationships" xmlns:p="http://schemas.openxmlformats.org/presentationml/2006/main">
   <p:cSld>
     <p:spTree>
@@ -5979,7 +6793,7 @@
 </p:sld>
 </file>
 
-<file path=ppt/slides/slide14.xml><?xml version="1.0" encoding="utf-8"?>
+<file path=ppt/slides/slide16.xml><?xml version="1.0" encoding="utf-8"?>
 <p:sld xmlns:a="http://schemas.openxmlformats.org/drawingml/2006/main" xmlns:r="http://schemas.openxmlformats.org/officeDocument/2006/relationships" xmlns:p="http://schemas.openxmlformats.org/presentationml/2006/main">
   <p:cSld>
     <p:spTree>
@@ -11149,7 +11963,7 @@
 </p:sld>
 </file>
 
-<file path=ppt/slides/slide15.xml><?xml version="1.0" encoding="utf-8"?>
+<file path=ppt/slides/slide17.xml><?xml version="1.0" encoding="utf-8"?>
 <p:sld xmlns:a="http://schemas.openxmlformats.org/drawingml/2006/main" xmlns:r="http://schemas.openxmlformats.org/officeDocument/2006/relationships" xmlns:p="http://schemas.openxmlformats.org/presentationml/2006/main">
   <p:cSld>
     <p:spTree>
@@ -19084,7 +19898,7 @@
 </p:sld>
 </file>
 
-<file path=ppt/slides/slide16.xml><?xml version="1.0" encoding="utf-8"?>
+<file path=ppt/slides/slide18.xml><?xml version="1.0" encoding="utf-8"?>
 <p:sld xmlns:a="http://schemas.openxmlformats.org/drawingml/2006/main" xmlns:r="http://schemas.openxmlformats.org/officeDocument/2006/relationships" xmlns:p="http://schemas.openxmlformats.org/presentationml/2006/main">
   <p:cSld>
     <p:spTree>
@@ -22234,27 +23048,7 @@
                   </a:schemeClr>
                 </a:solidFill>
               </a:rPr>
-              <a:t>, aventurier </a:t>
-            </a:r>
-            <a:r>
-              <a:rPr lang="fr-FR" dirty="0" err="1">
-                <a:solidFill>
-                  <a:schemeClr val="bg1">
-                    <a:lumMod val="85000"/>
-                  </a:schemeClr>
-                </a:solidFill>
-              </a:rPr>
-              <a:t>rondillouard</a:t>
-            </a:r>
-            <a:r>
-              <a:rPr lang="fr-FR" dirty="0">
-                <a:solidFill>
-                  <a:schemeClr val="bg1">
-                    <a:lumMod val="85000"/>
-                  </a:schemeClr>
-                </a:solidFill>
-              </a:rPr>
-              <a:t>, se retrouve enfermé dans un château obscure. Afin de s’échapper, il devra sortir de chacune des salles de ce lugubre bâtiment, en ramassant toutes les étoiles et clé présentes, qui ouvriront la porte de sortie.</a:t>
+              <a:t>, aventurier rondouillard, se retrouve enfermé dans un château obscur. Afin de s’échapper, il devra sortir de chacune des salles de ce lugubre bâtiment, en ramassant toutes les étoiles et clés présentes, qui ouvriront la porte de sortie.</a:t>
             </a:r>
           </a:p>
         </p:txBody>
@@ -22772,6 +23566,351 @@
       </p:grpSpPr>
       <p:pic>
         <p:nvPicPr>
+          <p:cNvPr id="2" name="Image 1">
+            <a:extLst>
+              <a:ext uri="{FF2B5EF4-FFF2-40B4-BE49-F238E27FC236}">
+                <a16:creationId xmlns:a16="http://schemas.microsoft.com/office/drawing/2014/main" id="{A34D2AEF-8D7D-D832-4E71-66FC70169134}"/>
+              </a:ext>
+            </a:extLst>
+          </p:cNvPr>
+          <p:cNvPicPr>
+            <a:picLocks noChangeAspect="1"/>
+          </p:cNvPicPr>
+          <p:nvPr/>
+        </p:nvPicPr>
+        <p:blipFill>
+          <a:blip r:embed="rId2"/>
+          <a:stretch>
+            <a:fillRect/>
+          </a:stretch>
+        </p:blipFill>
+        <p:spPr>
+          <a:xfrm>
+            <a:off x="2693801" y="932831"/>
+            <a:ext cx="6000750" cy="4762500"/>
+          </a:xfrm>
+          <a:prstGeom prst="rect">
+            <a:avLst/>
+          </a:prstGeom>
+        </p:spPr>
+      </p:pic>
+      <p:pic>
+        <p:nvPicPr>
+          <p:cNvPr id="5" name="Picture 8" descr="Rétro Jeu Hippie Néon Paysage Avec Labyrinthe Obscur Clip Art Libres De  Droits , Svg , Vecteurs Et Illustration. Image 48483234.">
+            <a:extLst>
+              <a:ext uri="{FF2B5EF4-FFF2-40B4-BE49-F238E27FC236}">
+                <a16:creationId xmlns:a16="http://schemas.microsoft.com/office/drawing/2014/main" id="{C1255E3E-85D3-1E26-AB43-5355E0D07B1E}"/>
+              </a:ext>
+            </a:extLst>
+          </p:cNvPr>
+          <p:cNvPicPr>
+            <a:picLocks noChangeAspect="1" noChangeArrowheads="1"/>
+          </p:cNvPicPr>
+          <p:nvPr/>
+        </p:nvPicPr>
+        <p:blipFill rotWithShape="1">
+          <a:blip r:embed="rId3">
+            <a:extLst>
+              <a:ext uri="{28A0092B-C50C-407E-A947-70E740481C1C}">
+                <a14:useLocalDpi xmlns:a14="http://schemas.microsoft.com/office/drawing/2010/main" val="0"/>
+              </a:ext>
+            </a:extLst>
+          </a:blip>
+          <a:srcRect l="5448" t="23844" r="13394" b="16286"/>
+          <a:stretch/>
+        </p:blipFill>
+        <p:spPr bwMode="auto">
+          <a:xfrm>
+            <a:off x="2693801" y="932831"/>
+            <a:ext cx="6000750" cy="4762500"/>
+          </a:xfrm>
+          <a:prstGeom prst="rect">
+            <a:avLst/>
+          </a:prstGeom>
+          <a:noFill/>
+          <a:extLst>
+            <a:ext uri="{909E8E84-426E-40DD-AFC4-6F175D3DCCD1}">
+              <a14:hiddenFill xmlns:a14="http://schemas.microsoft.com/office/drawing/2010/main">
+                <a:solidFill>
+                  <a:srgbClr val="FFFFFF"/>
+                </a:solidFill>
+              </a14:hiddenFill>
+            </a:ext>
+          </a:extLst>
+        </p:spPr>
+      </p:pic>
+      <p:pic>
+        <p:nvPicPr>
+          <p:cNvPr id="8" name="Image 7">
+            <a:extLst>
+              <a:ext uri="{FF2B5EF4-FFF2-40B4-BE49-F238E27FC236}">
+                <a16:creationId xmlns:a16="http://schemas.microsoft.com/office/drawing/2014/main" id="{A34EA8E7-47CE-8ADC-8476-6C547A0BAE66}"/>
+              </a:ext>
+            </a:extLst>
+          </p:cNvPr>
+          <p:cNvPicPr>
+            <a:picLocks noChangeAspect="1"/>
+          </p:cNvPicPr>
+          <p:nvPr/>
+        </p:nvPicPr>
+        <p:blipFill rotWithShape="1">
+          <a:blip r:embed="rId4"/>
+          <a:srcRect t="71078"/>
+          <a:stretch/>
+        </p:blipFill>
+        <p:spPr>
+          <a:xfrm>
+            <a:off x="3528429" y="1275050"/>
+            <a:ext cx="4454056" cy="636646"/>
+          </a:xfrm>
+          <a:prstGeom prst="rect">
+            <a:avLst/>
+          </a:prstGeom>
+          <a:effectLst>
+            <a:glow rad="76200">
+              <a:schemeClr val="accent1">
+                <a:lumMod val="20000"/>
+                <a:lumOff val="80000"/>
+              </a:schemeClr>
+            </a:glow>
+          </a:effectLst>
+        </p:spPr>
+      </p:pic>
+      <p:pic>
+        <p:nvPicPr>
+          <p:cNvPr id="9" name="Image 8">
+            <a:extLst>
+              <a:ext uri="{FF2B5EF4-FFF2-40B4-BE49-F238E27FC236}">
+                <a16:creationId xmlns:a16="http://schemas.microsoft.com/office/drawing/2014/main" id="{C8AEEF21-8C3A-635F-5272-4192EBC1268E}"/>
+              </a:ext>
+            </a:extLst>
+          </p:cNvPr>
+          <p:cNvPicPr>
+            <a:picLocks noChangeAspect="1"/>
+          </p:cNvPicPr>
+          <p:nvPr/>
+        </p:nvPicPr>
+        <p:blipFill rotWithShape="1">
+          <a:blip r:embed="rId4"/>
+          <a:srcRect l="14769" r="17977" b="29280"/>
+          <a:stretch/>
+        </p:blipFill>
+        <p:spPr>
+          <a:xfrm>
+            <a:off x="3464881" y="2321763"/>
+            <a:ext cx="4581152" cy="2380756"/>
+          </a:xfrm>
+          <a:prstGeom prst="rect">
+            <a:avLst/>
+          </a:prstGeom>
+          <a:effectLst>
+            <a:glow rad="76200">
+              <a:schemeClr val="accent1">
+                <a:lumMod val="20000"/>
+                <a:lumOff val="80000"/>
+              </a:schemeClr>
+            </a:glow>
+          </a:effectLst>
+        </p:spPr>
+      </p:pic>
+      <p:sp>
+        <p:nvSpPr>
+          <p:cNvPr id="10" name="Rectangle 9">
+            <a:extLst>
+              <a:ext uri="{FF2B5EF4-FFF2-40B4-BE49-F238E27FC236}">
+                <a16:creationId xmlns:a16="http://schemas.microsoft.com/office/drawing/2014/main" id="{89FFFB23-14CC-61D6-B8C6-8494C71004A7}"/>
+              </a:ext>
+            </a:extLst>
+          </p:cNvPr>
+          <p:cNvSpPr/>
+          <p:nvPr/>
+        </p:nvSpPr>
+        <p:spPr>
+          <a:xfrm>
+            <a:off x="2693798" y="5130286"/>
+            <a:ext cx="6000750" cy="565045"/>
+          </a:xfrm>
+          <a:prstGeom prst="rect">
+            <a:avLst/>
+          </a:prstGeom>
+          <a:solidFill>
+            <a:srgbClr val="4472C4"/>
+          </a:solidFill>
+          <a:ln>
+            <a:noFill/>
+          </a:ln>
+        </p:spPr>
+        <p:style>
+          <a:lnRef idx="2">
+            <a:schemeClr val="accent1">
+              <a:shade val="50000"/>
+            </a:schemeClr>
+          </a:lnRef>
+          <a:fillRef idx="1">
+            <a:schemeClr val="accent1"/>
+          </a:fillRef>
+          <a:effectRef idx="0">
+            <a:schemeClr val="accent1"/>
+          </a:effectRef>
+          <a:fontRef idx="minor">
+            <a:schemeClr val="lt1"/>
+          </a:fontRef>
+        </p:style>
+        <p:txBody>
+          <a:bodyPr rtlCol="0" anchor="ctr"/>
+          <a:lstStyle/>
+          <a:p>
+            <a:pPr algn="ctr"/>
+            <a:endParaRPr lang="fr-FR"/>
+          </a:p>
+        </p:txBody>
+      </p:sp>
+      <p:sp>
+        <p:nvSpPr>
+          <p:cNvPr id="20" name="Rectangle 19">
+            <a:extLst>
+              <a:ext uri="{FF2B5EF4-FFF2-40B4-BE49-F238E27FC236}">
+                <a16:creationId xmlns:a16="http://schemas.microsoft.com/office/drawing/2014/main" id="{2C0A2DAC-32E3-7A85-566F-8888B76FB17A}"/>
+              </a:ext>
+            </a:extLst>
+          </p:cNvPr>
+          <p:cNvSpPr/>
+          <p:nvPr/>
+        </p:nvSpPr>
+        <p:spPr>
+          <a:xfrm>
+            <a:off x="2693798" y="5078347"/>
+            <a:ext cx="6000750" cy="61947"/>
+          </a:xfrm>
+          <a:prstGeom prst="rect">
+            <a:avLst/>
+          </a:prstGeom>
+          <a:solidFill>
+            <a:schemeClr val="tx1"/>
+          </a:solidFill>
+          <a:ln>
+            <a:noFill/>
+          </a:ln>
+        </p:spPr>
+        <p:style>
+          <a:lnRef idx="2">
+            <a:schemeClr val="accent1">
+              <a:shade val="50000"/>
+            </a:schemeClr>
+          </a:lnRef>
+          <a:fillRef idx="1">
+            <a:schemeClr val="accent1"/>
+          </a:fillRef>
+          <a:effectRef idx="0">
+            <a:schemeClr val="accent1"/>
+          </a:effectRef>
+          <a:fontRef idx="minor">
+            <a:schemeClr val="lt1"/>
+          </a:fontRef>
+        </p:style>
+        <p:txBody>
+          <a:bodyPr rtlCol="0" anchor="ctr"/>
+          <a:lstStyle/>
+          <a:p>
+            <a:pPr algn="ctr"/>
+            <a:endParaRPr lang="fr-FR"/>
+          </a:p>
+        </p:txBody>
+      </p:sp>
+      <p:pic>
+        <p:nvPicPr>
+          <p:cNvPr id="22" name="Image 21">
+            <a:extLst>
+              <a:ext uri="{FF2B5EF4-FFF2-40B4-BE49-F238E27FC236}">
+                <a16:creationId xmlns:a16="http://schemas.microsoft.com/office/drawing/2014/main" id="{9053465D-1204-47A9-666F-3AE2819364B4}"/>
+              </a:ext>
+            </a:extLst>
+          </p:cNvPr>
+          <p:cNvPicPr>
+            <a:picLocks noChangeAspect="1"/>
+          </p:cNvPicPr>
+          <p:nvPr/>
+        </p:nvPicPr>
+        <p:blipFill rotWithShape="1">
+          <a:blip r:embed="rId5">
+            <a:lum bright="70000" contrast="-70000"/>
+          </a:blip>
+          <a:srcRect b="59564"/>
+          <a:stretch/>
+        </p:blipFill>
+        <p:spPr>
+          <a:xfrm>
+            <a:off x="6696363" y="5315660"/>
+            <a:ext cx="1854268" cy="211818"/>
+          </a:xfrm>
+          <a:prstGeom prst="rect">
+            <a:avLst/>
+          </a:prstGeom>
+        </p:spPr>
+      </p:pic>
+      <p:pic>
+        <p:nvPicPr>
+          <p:cNvPr id="23" name="Image 22">
+            <a:extLst>
+              <a:ext uri="{FF2B5EF4-FFF2-40B4-BE49-F238E27FC236}">
+                <a16:creationId xmlns:a16="http://schemas.microsoft.com/office/drawing/2014/main" id="{32EB3A69-9BA7-5C9D-7A67-239D42BBA7AC}"/>
+              </a:ext>
+            </a:extLst>
+          </p:cNvPr>
+          <p:cNvPicPr>
+            <a:picLocks noChangeAspect="1"/>
+          </p:cNvPicPr>
+          <p:nvPr/>
+        </p:nvPicPr>
+        <p:blipFill rotWithShape="1">
+          <a:blip r:embed="rId5">
+            <a:lum bright="70000" contrast="-70000"/>
+          </a:blip>
+          <a:srcRect t="49294" b="1"/>
+          <a:stretch/>
+        </p:blipFill>
+        <p:spPr>
+          <a:xfrm>
+            <a:off x="2784034" y="5293407"/>
+            <a:ext cx="1926512" cy="275962"/>
+          </a:xfrm>
+          <a:prstGeom prst="rect">
+            <a:avLst/>
+          </a:prstGeom>
+        </p:spPr>
+      </p:pic>
+    </p:spTree>
+    <p:extLst>
+      <p:ext uri="{BB962C8B-B14F-4D97-AF65-F5344CB8AC3E}">
+        <p14:creationId xmlns:p14="http://schemas.microsoft.com/office/powerpoint/2010/main" val="2725544418"/>
+      </p:ext>
+    </p:extLst>
+  </p:cSld>
+  <p:clrMapOvr>
+    <a:masterClrMapping/>
+  </p:clrMapOvr>
+</p:sld>
+</file>
+
+<file path=ppt/slides/slide4.xml><?xml version="1.0" encoding="utf-8"?>
+<p:sld xmlns:a="http://schemas.openxmlformats.org/drawingml/2006/main" xmlns:r="http://schemas.openxmlformats.org/officeDocument/2006/relationships" xmlns:p="http://schemas.openxmlformats.org/presentationml/2006/main">
+  <p:cSld>
+    <p:spTree>
+      <p:nvGrpSpPr>
+        <p:cNvPr id="1" name=""/>
+        <p:cNvGrpSpPr/>
+        <p:nvPr/>
+      </p:nvGrpSpPr>
+      <p:grpSpPr>
+        <a:xfrm>
+          <a:off x="0" y="0"/>
+          <a:ext cx="0" cy="0"/>
+          <a:chOff x="0" y="0"/>
+          <a:chExt cx="0" cy="0"/>
+        </a:xfrm>
+      </p:grpSpPr>
+      <p:pic>
+        <p:nvPicPr>
           <p:cNvPr id="1026" name="Picture 2">
             <a:extLst>
               <a:ext uri="{FF2B5EF4-FFF2-40B4-BE49-F238E27FC236}">
@@ -23241,7 +24380,397 @@
 </p:sld>
 </file>
 
-<file path=ppt/slides/slide4.xml><?xml version="1.0" encoding="utf-8"?>
+<file path=ppt/slides/slide5.xml><?xml version="1.0" encoding="utf-8"?>
+<p:sld xmlns:a="http://schemas.openxmlformats.org/drawingml/2006/main" xmlns:r="http://schemas.openxmlformats.org/officeDocument/2006/relationships" xmlns:p="http://schemas.openxmlformats.org/presentationml/2006/main">
+  <p:cSld>
+    <p:spTree>
+      <p:nvGrpSpPr>
+        <p:cNvPr id="1" name=""/>
+        <p:cNvGrpSpPr/>
+        <p:nvPr/>
+      </p:nvGrpSpPr>
+      <p:grpSpPr>
+        <a:xfrm>
+          <a:off x="0" y="0"/>
+          <a:ext cx="0" cy="0"/>
+          <a:chOff x="0" y="0"/>
+          <a:chExt cx="0" cy="0"/>
+        </a:xfrm>
+      </p:grpSpPr>
+      <p:pic>
+        <p:nvPicPr>
+          <p:cNvPr id="2" name="Picture 2" descr="CLASSIQUES -3 JEUX THOMSON TO7-70 /TO8 / TO9 + et MO6 -DISQUETTE 3,5 -TITUS  1987 EUR 149,99 - PicClick FR">
+            <a:extLst>
+              <a:ext uri="{FF2B5EF4-FFF2-40B4-BE49-F238E27FC236}">
+                <a16:creationId xmlns:a16="http://schemas.microsoft.com/office/drawing/2014/main" id="{36F2123B-05FF-CF3E-9513-16FB3848B2A9}"/>
+              </a:ext>
+            </a:extLst>
+          </p:cNvPr>
+          <p:cNvPicPr>
+            <a:picLocks noChangeAspect="1" noChangeArrowheads="1"/>
+          </p:cNvPicPr>
+          <p:nvPr/>
+        </p:nvPicPr>
+        <p:blipFill>
+          <a:blip r:embed="rId2">
+            <a:extLst>
+              <a:ext uri="{28A0092B-C50C-407E-A947-70E740481C1C}">
+                <a14:useLocalDpi xmlns:a14="http://schemas.microsoft.com/office/drawing/2010/main" val="0"/>
+              </a:ext>
+            </a:extLst>
+          </a:blip>
+          <a:srcRect/>
+          <a:stretch>
+            <a:fillRect/>
+          </a:stretch>
+        </p:blipFill>
+        <p:spPr bwMode="auto">
+          <a:xfrm>
+            <a:off x="700664" y="304186"/>
+            <a:ext cx="5968411" cy="6028698"/>
+          </a:xfrm>
+          <a:prstGeom prst="rect">
+            <a:avLst/>
+          </a:prstGeom>
+          <a:noFill/>
+          <a:extLst>
+            <a:ext uri="{909E8E84-426E-40DD-AFC4-6F175D3DCCD1}">
+              <a14:hiddenFill xmlns:a14="http://schemas.microsoft.com/office/drawing/2010/main">
+                <a:solidFill>
+                  <a:srgbClr val="FFFFFF"/>
+                </a:solidFill>
+              </a14:hiddenFill>
+            </a:ext>
+          </a:extLst>
+        </p:spPr>
+      </p:pic>
+      <p:sp>
+        <p:nvSpPr>
+          <p:cNvPr id="26" name="ZoneTexte 25">
+            <a:extLst>
+              <a:ext uri="{FF2B5EF4-FFF2-40B4-BE49-F238E27FC236}">
+                <a16:creationId xmlns:a16="http://schemas.microsoft.com/office/drawing/2014/main" id="{241B8BC9-A5C8-514B-DFAE-697532DFF0B8}"/>
+              </a:ext>
+            </a:extLst>
+          </p:cNvPr>
+          <p:cNvSpPr txBox="1"/>
+          <p:nvPr/>
+        </p:nvSpPr>
+        <p:spPr>
+          <a:xfrm>
+            <a:off x="3099609" y="4509078"/>
+            <a:ext cx="2267475" cy="253916"/>
+          </a:xfrm>
+          <a:prstGeom prst="rect">
+            <a:avLst/>
+          </a:prstGeom>
+          <a:noFill/>
+        </p:spPr>
+        <p:txBody>
+          <a:bodyPr wrap="square" rtlCol="0">
+            <a:spAutoFit/>
+          </a:bodyPr>
+          <a:lstStyle/>
+          <a:p>
+            <a:r>
+              <a:rPr lang="fr-FR" sz="1050" dirty="0">
+                <a:solidFill>
+                  <a:schemeClr val="bg1">
+                    <a:lumMod val="85000"/>
+                  </a:schemeClr>
+                </a:solidFill>
+                <a:latin typeface="Century Gothic" panose="020B0502020202020204" pitchFamily="34" charset="0"/>
+              </a:rPr>
+              <a:t>© Baptiste BIDEAUX 2022</a:t>
+            </a:r>
+          </a:p>
+        </p:txBody>
+      </p:sp>
+      <p:sp>
+        <p:nvSpPr>
+          <p:cNvPr id="3" name="Rectangle : coins arrondis 2">
+            <a:extLst>
+              <a:ext uri="{FF2B5EF4-FFF2-40B4-BE49-F238E27FC236}">
+                <a16:creationId xmlns:a16="http://schemas.microsoft.com/office/drawing/2014/main" id="{84830914-E56B-4D6F-D11C-AE1A81250C5E}"/>
+              </a:ext>
+            </a:extLst>
+          </p:cNvPr>
+          <p:cNvSpPr/>
+          <p:nvPr/>
+        </p:nvSpPr>
+        <p:spPr>
+          <a:xfrm>
+            <a:off x="1606397" y="2729741"/>
+            <a:ext cx="4191711" cy="3400369"/>
+          </a:xfrm>
+          <a:prstGeom prst="roundRect">
+            <a:avLst>
+              <a:gd name="adj" fmla="val 2596"/>
+            </a:avLst>
+          </a:prstGeom>
+        </p:spPr>
+        <p:style>
+          <a:lnRef idx="2">
+            <a:schemeClr val="accent1">
+              <a:shade val="50000"/>
+            </a:schemeClr>
+          </a:lnRef>
+          <a:fillRef idx="1">
+            <a:schemeClr val="accent1"/>
+          </a:fillRef>
+          <a:effectRef idx="0">
+            <a:schemeClr val="accent1"/>
+          </a:effectRef>
+          <a:fontRef idx="minor">
+            <a:schemeClr val="lt1"/>
+          </a:fontRef>
+        </p:style>
+        <p:txBody>
+          <a:bodyPr rtlCol="0" anchor="ctr"/>
+          <a:lstStyle/>
+          <a:p>
+            <a:pPr algn="ctr"/>
+            <a:endParaRPr lang="fr-FR"/>
+          </a:p>
+        </p:txBody>
+      </p:sp>
+      <p:pic>
+        <p:nvPicPr>
+          <p:cNvPr id="11" name="Image 10">
+            <a:extLst>
+              <a:ext uri="{FF2B5EF4-FFF2-40B4-BE49-F238E27FC236}">
+                <a16:creationId xmlns:a16="http://schemas.microsoft.com/office/drawing/2014/main" id="{52F204AB-A6A0-A56D-E59F-BD2E7DFE1641}"/>
+              </a:ext>
+            </a:extLst>
+          </p:cNvPr>
+          <p:cNvPicPr>
+            <a:picLocks noChangeAspect="1"/>
+          </p:cNvPicPr>
+          <p:nvPr/>
+        </p:nvPicPr>
+        <p:blipFill rotWithShape="1">
+          <a:blip r:embed="rId3">
+            <a:lum bright="70000" contrast="-70000"/>
+          </a:blip>
+          <a:srcRect b="59564"/>
+          <a:stretch/>
+        </p:blipFill>
+        <p:spPr>
+          <a:xfrm>
+            <a:off x="2580313" y="5754857"/>
+            <a:ext cx="2243877" cy="256324"/>
+          </a:xfrm>
+          <a:prstGeom prst="rect">
+            <a:avLst/>
+          </a:prstGeom>
+        </p:spPr>
+      </p:pic>
+      <p:cxnSp>
+        <p:nvCxnSpPr>
+          <p:cNvPr id="13" name="Connecteur droit 12">
+            <a:extLst>
+              <a:ext uri="{FF2B5EF4-FFF2-40B4-BE49-F238E27FC236}">
+                <a16:creationId xmlns:a16="http://schemas.microsoft.com/office/drawing/2014/main" id="{99F4D875-28F5-E3D8-4DC3-5E62F8B77747}"/>
+              </a:ext>
+            </a:extLst>
+          </p:cNvPr>
+          <p:cNvCxnSpPr>
+            <a:cxnSpLocks/>
+          </p:cNvCxnSpPr>
+          <p:nvPr/>
+        </p:nvCxnSpPr>
+        <p:spPr>
+          <a:xfrm>
+            <a:off x="1777304" y="3301963"/>
+            <a:ext cx="3766928" cy="26207"/>
+          </a:xfrm>
+          <a:prstGeom prst="line">
+            <a:avLst/>
+          </a:prstGeom>
+          <a:ln w="12700">
+            <a:solidFill>
+              <a:schemeClr val="bg1">
+                <a:lumMod val="95000"/>
+              </a:schemeClr>
+            </a:solidFill>
+          </a:ln>
+        </p:spPr>
+        <p:style>
+          <a:lnRef idx="1">
+            <a:schemeClr val="accent1"/>
+          </a:lnRef>
+          <a:fillRef idx="0">
+            <a:schemeClr val="accent1"/>
+          </a:fillRef>
+          <a:effectRef idx="0">
+            <a:schemeClr val="accent1"/>
+          </a:effectRef>
+          <a:fontRef idx="minor">
+            <a:schemeClr val="tx1"/>
+          </a:fontRef>
+        </p:style>
+      </p:cxnSp>
+      <p:sp>
+        <p:nvSpPr>
+          <p:cNvPr id="25" name="ZoneTexte 24">
+            <a:extLst>
+              <a:ext uri="{FF2B5EF4-FFF2-40B4-BE49-F238E27FC236}">
+                <a16:creationId xmlns:a16="http://schemas.microsoft.com/office/drawing/2014/main" id="{B333F463-26DE-4258-1722-44B2E8398823}"/>
+              </a:ext>
+            </a:extLst>
+          </p:cNvPr>
+          <p:cNvSpPr txBox="1"/>
+          <p:nvPr/>
+        </p:nvSpPr>
+        <p:spPr>
+          <a:xfrm>
+            <a:off x="1687147" y="2943400"/>
+            <a:ext cx="2267475" cy="338554"/>
+          </a:xfrm>
+          <a:prstGeom prst="rect">
+            <a:avLst/>
+          </a:prstGeom>
+          <a:noFill/>
+        </p:spPr>
+        <p:txBody>
+          <a:bodyPr wrap="square" rtlCol="0">
+            <a:spAutoFit/>
+          </a:bodyPr>
+          <a:lstStyle/>
+          <a:p>
+            <a:r>
+              <a:rPr lang="fr-FR" sz="1600" b="1" i="1" dirty="0">
+                <a:solidFill>
+                  <a:schemeClr val="bg1">
+                    <a:lumMod val="95000"/>
+                  </a:schemeClr>
+                </a:solidFill>
+                <a:latin typeface="Century Gothic" panose="020B0502020202020204" pitchFamily="34" charset="0"/>
+              </a:rPr>
+              <a:t>MABOOL</a:t>
+            </a:r>
+          </a:p>
+        </p:txBody>
+      </p:sp>
+      <p:pic>
+        <p:nvPicPr>
+          <p:cNvPr id="12" name="Image 11">
+            <a:extLst>
+              <a:ext uri="{FF2B5EF4-FFF2-40B4-BE49-F238E27FC236}">
+                <a16:creationId xmlns:a16="http://schemas.microsoft.com/office/drawing/2014/main" id="{689F7E5A-7F5D-86D2-A2AD-C301895B4584}"/>
+              </a:ext>
+            </a:extLst>
+          </p:cNvPr>
+          <p:cNvPicPr>
+            <a:picLocks noChangeAspect="1"/>
+          </p:cNvPicPr>
+          <p:nvPr/>
+        </p:nvPicPr>
+        <p:blipFill rotWithShape="1">
+          <a:blip r:embed="rId3">
+            <a:lum bright="70000" contrast="-70000"/>
+          </a:blip>
+          <a:srcRect t="49294" b="1"/>
+          <a:stretch/>
+        </p:blipFill>
+        <p:spPr>
+          <a:xfrm>
+            <a:off x="3337631" y="2911188"/>
+            <a:ext cx="2457970" cy="352089"/>
+          </a:xfrm>
+          <a:prstGeom prst="rect">
+            <a:avLst/>
+          </a:prstGeom>
+        </p:spPr>
+      </p:pic>
+      <p:pic>
+        <p:nvPicPr>
+          <p:cNvPr id="14" name="Image 13">
+            <a:extLst>
+              <a:ext uri="{FF2B5EF4-FFF2-40B4-BE49-F238E27FC236}">
+                <a16:creationId xmlns:a16="http://schemas.microsoft.com/office/drawing/2014/main" id="{E5BF361D-208B-531D-5E37-87F79FE9031C}"/>
+              </a:ext>
+            </a:extLst>
+          </p:cNvPr>
+          <p:cNvPicPr>
+            <a:picLocks noChangeAspect="1"/>
+          </p:cNvPicPr>
+          <p:nvPr/>
+        </p:nvPicPr>
+        <p:blipFill rotWithShape="1">
+          <a:blip r:embed="rId4"/>
+          <a:srcRect l="14769" r="17977" b="29280"/>
+          <a:stretch/>
+        </p:blipFill>
+        <p:spPr>
+          <a:xfrm>
+            <a:off x="2367426" y="3529831"/>
+            <a:ext cx="2669649" cy="1387376"/>
+          </a:xfrm>
+          <a:prstGeom prst="rect">
+            <a:avLst/>
+          </a:prstGeom>
+          <a:effectLst>
+            <a:glow rad="76200">
+              <a:schemeClr val="accent1">
+                <a:lumMod val="20000"/>
+                <a:lumOff val="80000"/>
+              </a:schemeClr>
+            </a:glow>
+          </a:effectLst>
+        </p:spPr>
+      </p:pic>
+      <p:pic>
+        <p:nvPicPr>
+          <p:cNvPr id="17" name="Image 16">
+            <a:extLst>
+              <a:ext uri="{FF2B5EF4-FFF2-40B4-BE49-F238E27FC236}">
+                <a16:creationId xmlns:a16="http://schemas.microsoft.com/office/drawing/2014/main" id="{9B0C6723-754E-C655-3543-9E23EA39BBF9}"/>
+              </a:ext>
+            </a:extLst>
+          </p:cNvPr>
+          <p:cNvPicPr>
+            <a:picLocks noChangeAspect="1"/>
+          </p:cNvPicPr>
+          <p:nvPr/>
+        </p:nvPicPr>
+        <p:blipFill rotWithShape="1">
+          <a:blip r:embed="rId4"/>
+          <a:srcRect t="71078"/>
+          <a:stretch/>
+        </p:blipFill>
+        <p:spPr>
+          <a:xfrm>
+            <a:off x="2576224" y="5048772"/>
+            <a:ext cx="2243877" cy="320731"/>
+          </a:xfrm>
+          <a:prstGeom prst="rect">
+            <a:avLst/>
+          </a:prstGeom>
+          <a:effectLst>
+            <a:glow rad="76200">
+              <a:schemeClr val="accent1">
+                <a:lumMod val="20000"/>
+                <a:lumOff val="80000"/>
+              </a:schemeClr>
+            </a:glow>
+          </a:effectLst>
+        </p:spPr>
+      </p:pic>
+    </p:spTree>
+    <p:extLst>
+      <p:ext uri="{BB962C8B-B14F-4D97-AF65-F5344CB8AC3E}">
+        <p14:creationId xmlns:p14="http://schemas.microsoft.com/office/powerpoint/2010/main" val="2907092440"/>
+      </p:ext>
+    </p:extLst>
+  </p:cSld>
+  <p:clrMapOvr>
+    <a:masterClrMapping/>
+  </p:clrMapOvr>
+</p:sld>
+</file>
+
+<file path=ppt/slides/slide6.xml><?xml version="1.0" encoding="utf-8"?>
 <p:sld xmlns:a="http://schemas.openxmlformats.org/drawingml/2006/main" xmlns:r="http://schemas.openxmlformats.org/officeDocument/2006/relationships" xmlns:p="http://schemas.openxmlformats.org/presentationml/2006/main">
   <p:cSld>
     <p:spTree>
@@ -23509,7 +25038,7 @@
 </p:sld>
 </file>
 
-<file path=ppt/slides/slide5.xml><?xml version="1.0" encoding="utf-8"?>
+<file path=ppt/slides/slide7.xml><?xml version="1.0" encoding="utf-8"?>
 <p:sld xmlns:a="http://schemas.openxmlformats.org/drawingml/2006/main" xmlns:r="http://schemas.openxmlformats.org/officeDocument/2006/relationships" xmlns:p="http://schemas.openxmlformats.org/presentationml/2006/main">
   <p:cSld>
     <p:spTree>
@@ -23824,7 +25353,7 @@
 </p:sld>
 </file>
 
-<file path=ppt/slides/slide6.xml><?xml version="1.0" encoding="utf-8"?>
+<file path=ppt/slides/slide8.xml><?xml version="1.0" encoding="utf-8"?>
 <p:sld xmlns:a="http://schemas.openxmlformats.org/drawingml/2006/main" xmlns:r="http://schemas.openxmlformats.org/officeDocument/2006/relationships" xmlns:p="http://schemas.openxmlformats.org/presentationml/2006/main">
   <p:cSld>
     <p:spTree>
@@ -24212,7 +25741,7 @@
 </p:sld>
 </file>
 
-<file path=ppt/slides/slide7.xml><?xml version="1.0" encoding="utf-8"?>
+<file path=ppt/slides/slide9.xml><?xml version="1.0" encoding="utf-8"?>
 <p:sld xmlns:a="http://schemas.openxmlformats.org/drawingml/2006/main" xmlns:r="http://schemas.openxmlformats.org/officeDocument/2006/relationships" xmlns:p="http://schemas.openxmlformats.org/presentationml/2006/main">
   <p:cSld>
     <p:spTree>
@@ -25085,830 +26614,6 @@
 </p:sld>
 </file>
 
-<file path=ppt/slides/slide8.xml><?xml version="1.0" encoding="utf-8"?>
-<p:sld xmlns:a="http://schemas.openxmlformats.org/drawingml/2006/main" xmlns:r="http://schemas.openxmlformats.org/officeDocument/2006/relationships" xmlns:p="http://schemas.openxmlformats.org/presentationml/2006/main">
-  <p:cSld>
-    <p:spTree>
-      <p:nvGrpSpPr>
-        <p:cNvPr id="1" name=""/>
-        <p:cNvGrpSpPr/>
-        <p:nvPr/>
-      </p:nvGrpSpPr>
-      <p:grpSpPr>
-        <a:xfrm>
-          <a:off x="0" y="0"/>
-          <a:ext cx="0" cy="0"/>
-          <a:chOff x="0" y="0"/>
-          <a:chExt cx="0" cy="0"/>
-        </a:xfrm>
-      </p:grpSpPr>
-      <p:grpSp>
-        <p:nvGrpSpPr>
-          <p:cNvPr id="4" name="Groupe 3">
-            <a:extLst>
-              <a:ext uri="{FF2B5EF4-FFF2-40B4-BE49-F238E27FC236}">
-                <a16:creationId xmlns:a16="http://schemas.microsoft.com/office/drawing/2014/main" id="{245F472C-B6B9-EBE9-A183-510A380574F9}"/>
-              </a:ext>
-            </a:extLst>
-          </p:cNvPr>
-          <p:cNvGrpSpPr/>
-          <p:nvPr/>
-        </p:nvGrpSpPr>
-        <p:grpSpPr>
-          <a:xfrm>
-            <a:off x="1345018" y="0"/>
-            <a:ext cx="5108609" cy="6853139"/>
-            <a:chOff x="1573618" y="156802"/>
-            <a:chExt cx="5108609" cy="6853139"/>
-          </a:xfrm>
-          <a:solidFill>
-            <a:schemeClr val="bg1"/>
-          </a:solidFill>
-        </p:grpSpPr>
-        <p:sp>
-          <p:nvSpPr>
-            <p:cNvPr id="5" name="Rectangle 4">
-              <a:extLst>
-                <a:ext uri="{FF2B5EF4-FFF2-40B4-BE49-F238E27FC236}">
-                  <a16:creationId xmlns:a16="http://schemas.microsoft.com/office/drawing/2014/main" id="{EA6271CB-7CB1-8AF6-1FA1-E3EF4709453A}"/>
-                </a:ext>
-              </a:extLst>
-            </p:cNvPr>
-            <p:cNvSpPr/>
-            <p:nvPr/>
-          </p:nvSpPr>
-          <p:spPr>
-            <a:xfrm>
-              <a:off x="1573618" y="156802"/>
-              <a:ext cx="5108609" cy="6853139"/>
-            </a:xfrm>
-            <a:prstGeom prst="rect">
-              <a:avLst/>
-            </a:prstGeom>
-            <a:grpFill/>
-            <a:ln>
-              <a:solidFill>
-                <a:schemeClr val="bg1">
-                  <a:lumMod val="85000"/>
-                </a:schemeClr>
-              </a:solidFill>
-            </a:ln>
-          </p:spPr>
-          <p:style>
-            <a:lnRef idx="2">
-              <a:schemeClr val="accent1">
-                <a:shade val="50000"/>
-              </a:schemeClr>
-            </a:lnRef>
-            <a:fillRef idx="1">
-              <a:schemeClr val="accent1"/>
-            </a:fillRef>
-            <a:effectRef idx="0">
-              <a:schemeClr val="accent1"/>
-            </a:effectRef>
-            <a:fontRef idx="minor">
-              <a:schemeClr val="lt1"/>
-            </a:fontRef>
-          </p:style>
-          <p:txBody>
-            <a:bodyPr rtlCol="0" anchor="ctr"/>
-            <a:lstStyle/>
-            <a:p>
-              <a:pPr algn="ctr"/>
-              <a:endParaRPr lang="fr-FR"/>
-            </a:p>
-          </p:txBody>
-        </p:sp>
-        <p:sp>
-          <p:nvSpPr>
-            <p:cNvPr id="9" name="ZoneTexte 8">
-              <a:extLst>
-                <a:ext uri="{FF2B5EF4-FFF2-40B4-BE49-F238E27FC236}">
-                  <a16:creationId xmlns:a16="http://schemas.microsoft.com/office/drawing/2014/main" id="{7BF7CDFD-AAD3-9FA2-5875-D712D95DEF02}"/>
-                </a:ext>
-              </a:extLst>
-            </p:cNvPr>
-            <p:cNvSpPr txBox="1"/>
-            <p:nvPr/>
-          </p:nvSpPr>
-          <p:spPr>
-            <a:xfrm>
-              <a:off x="1641769" y="846207"/>
-              <a:ext cx="5040458" cy="584775"/>
-            </a:xfrm>
-            <a:prstGeom prst="rect">
-              <a:avLst/>
-            </a:prstGeom>
-            <a:noFill/>
-          </p:spPr>
-          <p:txBody>
-            <a:bodyPr wrap="square" rtlCol="0">
-              <a:spAutoFit/>
-            </a:bodyPr>
-            <a:lstStyle/>
-            <a:p>
-              <a:r>
-                <a:rPr lang="fr-FR" sz="1600" b="1" dirty="0">
-                  <a:latin typeface="Century Gothic" panose="020B0502020202020204" pitchFamily="34" charset="0"/>
-                </a:rPr>
-                <a:t>OBJECTS AND TRAPS
-</a:t>
-              </a:r>
-            </a:p>
-          </p:txBody>
-        </p:sp>
-      </p:grpSp>
-      <p:cxnSp>
-        <p:nvCxnSpPr>
-          <p:cNvPr id="15" name="Connecteur droit 14">
-            <a:extLst>
-              <a:ext uri="{FF2B5EF4-FFF2-40B4-BE49-F238E27FC236}">
-                <a16:creationId xmlns:a16="http://schemas.microsoft.com/office/drawing/2014/main" id="{2C3CD1F2-CFD8-B187-5787-0AFC0DF5C0B9}"/>
-              </a:ext>
-            </a:extLst>
-          </p:cNvPr>
-          <p:cNvCxnSpPr/>
-          <p:nvPr/>
-        </p:nvCxnSpPr>
-        <p:spPr>
-          <a:xfrm>
-            <a:off x="1345018" y="6150279"/>
-            <a:ext cx="5108609" cy="0"/>
-          </a:xfrm>
-          <a:prstGeom prst="line">
-            <a:avLst/>
-          </a:prstGeom>
-          <a:ln w="38100">
-            <a:solidFill>
-              <a:schemeClr val="tx1"/>
-            </a:solidFill>
-          </a:ln>
-        </p:spPr>
-        <p:style>
-          <a:lnRef idx="1">
-            <a:schemeClr val="accent1"/>
-          </a:lnRef>
-          <a:fillRef idx="0">
-            <a:schemeClr val="accent1"/>
-          </a:fillRef>
-          <a:effectRef idx="0">
-            <a:schemeClr val="accent1"/>
-          </a:effectRef>
-          <a:fontRef idx="minor">
-            <a:schemeClr val="tx1"/>
-          </a:fontRef>
-        </p:style>
-      </p:cxnSp>
-      <p:sp>
-        <p:nvSpPr>
-          <p:cNvPr id="10" name="ZoneTexte 9">
-            <a:extLst>
-              <a:ext uri="{FF2B5EF4-FFF2-40B4-BE49-F238E27FC236}">
-                <a16:creationId xmlns:a16="http://schemas.microsoft.com/office/drawing/2014/main" id="{FE24B69D-C1A6-58C6-D56D-D2BD1D5CD9DC}"/>
-              </a:ext>
-            </a:extLst>
-          </p:cNvPr>
-          <p:cNvSpPr txBox="1"/>
-          <p:nvPr/>
-        </p:nvSpPr>
-        <p:spPr>
-          <a:xfrm>
-            <a:off x="1345018" y="140102"/>
-            <a:ext cx="5108608" cy="369332"/>
-          </a:xfrm>
-          <a:prstGeom prst="rect">
-            <a:avLst/>
-          </a:prstGeom>
-          <a:solidFill>
-            <a:schemeClr val="tx1"/>
-          </a:solidFill>
-        </p:spPr>
-        <p:txBody>
-          <a:bodyPr wrap="square" rtlCol="0">
-            <a:spAutoFit/>
-          </a:bodyPr>
-          <a:lstStyle/>
-          <a:p>
-            <a:pPr algn="r"/>
-            <a:r>
-              <a:rPr lang="fr-FR" b="1" dirty="0">
-                <a:solidFill>
-                  <a:schemeClr val="bg1"/>
-                </a:solidFill>
-                <a:latin typeface="Century Gothic" panose="020B0502020202020204" pitchFamily="34" charset="0"/>
-              </a:rPr>
-              <a:t>English</a:t>
-            </a:r>
-          </a:p>
-        </p:txBody>
-      </p:sp>
-      <p:pic>
-        <p:nvPicPr>
-          <p:cNvPr id="17" name="Image 16">
-            <a:extLst>
-              <a:ext uri="{FF2B5EF4-FFF2-40B4-BE49-F238E27FC236}">
-                <a16:creationId xmlns:a16="http://schemas.microsoft.com/office/drawing/2014/main" id="{8226D2FA-6059-D647-E7E9-B40CB6B45F0E}"/>
-              </a:ext>
-            </a:extLst>
-          </p:cNvPr>
-          <p:cNvPicPr>
-            <a:picLocks noChangeAspect="1"/>
-          </p:cNvPicPr>
-          <p:nvPr/>
-        </p:nvPicPr>
-        <p:blipFill>
-          <a:blip r:embed="rId2"/>
-          <a:stretch>
-            <a:fillRect/>
-          </a:stretch>
-        </p:blipFill>
-        <p:spPr>
-          <a:xfrm>
-            <a:off x="2077756" y="1899693"/>
-            <a:ext cx="446021" cy="557526"/>
-          </a:xfrm>
-          <a:prstGeom prst="rect">
-            <a:avLst/>
-          </a:prstGeom>
-        </p:spPr>
-      </p:pic>
-      <p:pic>
-        <p:nvPicPr>
-          <p:cNvPr id="3" name="Image 2">
-            <a:extLst>
-              <a:ext uri="{FF2B5EF4-FFF2-40B4-BE49-F238E27FC236}">
-                <a16:creationId xmlns:a16="http://schemas.microsoft.com/office/drawing/2014/main" id="{C8DEBCB2-9AF9-01A5-C82E-75A9C3BB636F}"/>
-              </a:ext>
-            </a:extLst>
-          </p:cNvPr>
-          <p:cNvPicPr>
-            <a:picLocks noChangeAspect="1"/>
-          </p:cNvPicPr>
-          <p:nvPr/>
-        </p:nvPicPr>
-        <p:blipFill>
-          <a:blip r:embed="rId3"/>
-          <a:stretch>
-            <a:fillRect/>
-          </a:stretch>
-        </p:blipFill>
-        <p:spPr>
-          <a:xfrm>
-            <a:off x="2049878" y="1203703"/>
-            <a:ext cx="473899" cy="557528"/>
-          </a:xfrm>
-          <a:prstGeom prst="rect">
-            <a:avLst/>
-          </a:prstGeom>
-        </p:spPr>
-      </p:pic>
-      <p:sp>
-        <p:nvSpPr>
-          <p:cNvPr id="24" name="ZoneTexte 23">
-            <a:extLst>
-              <a:ext uri="{FF2B5EF4-FFF2-40B4-BE49-F238E27FC236}">
-                <a16:creationId xmlns:a16="http://schemas.microsoft.com/office/drawing/2014/main" id="{ED98CC45-A2B6-B3E9-6077-4EDFF52CAF67}"/>
-              </a:ext>
-            </a:extLst>
-          </p:cNvPr>
-          <p:cNvSpPr txBox="1"/>
-          <p:nvPr/>
-        </p:nvSpPr>
-        <p:spPr>
-          <a:xfrm>
-            <a:off x="2676178" y="1131579"/>
-            <a:ext cx="3777448" cy="523220"/>
-          </a:xfrm>
-          <a:prstGeom prst="rect">
-            <a:avLst/>
-          </a:prstGeom>
-          <a:noFill/>
-        </p:spPr>
-        <p:txBody>
-          <a:bodyPr wrap="square" rtlCol="0">
-            <a:spAutoFit/>
-          </a:bodyPr>
-          <a:lstStyle/>
-          <a:p>
-            <a:r>
-              <a:rPr lang="fr-FR" sz="1600" i="1" dirty="0">
-                <a:latin typeface="Century Gothic" panose="020B0502020202020204" pitchFamily="34" charset="0"/>
-              </a:rPr>
-              <a:t>Fragile slab</a:t>
-            </a:r>
-            <a:br>
-              <a:rPr lang="fr-FR" sz="1600" i="1" dirty="0">
-                <a:latin typeface="Century Gothic" panose="020B0502020202020204" pitchFamily="34" charset="0"/>
-              </a:rPr>
-            </a:br>
-            <a:r>
-              <a:rPr lang="en-US" sz="1200" i="1" dirty="0">
-                <a:latin typeface="Century Gothic" panose="020B0502020202020204" pitchFamily="34" charset="0"/>
-              </a:rPr>
-              <a:t>They disappear after the passage of </a:t>
-            </a:r>
-            <a:r>
-              <a:rPr lang="en-US" sz="1200" i="1" dirty="0" err="1">
-                <a:latin typeface="Century Gothic" panose="020B0502020202020204" pitchFamily="34" charset="0"/>
-              </a:rPr>
-              <a:t>Mabool</a:t>
-            </a:r>
-            <a:r>
-              <a:rPr lang="fr-FR" sz="1200" i="1" dirty="0">
-                <a:latin typeface="Century Gothic" panose="020B0502020202020204" pitchFamily="34" charset="0"/>
-              </a:rPr>
-              <a:t>.</a:t>
-            </a:r>
-          </a:p>
-        </p:txBody>
-      </p:sp>
-      <p:pic>
-        <p:nvPicPr>
-          <p:cNvPr id="8" name="Image 7">
-            <a:extLst>
-              <a:ext uri="{FF2B5EF4-FFF2-40B4-BE49-F238E27FC236}">
-                <a16:creationId xmlns:a16="http://schemas.microsoft.com/office/drawing/2014/main" id="{A0B25B66-3FF9-E571-98EE-C2297F88CFB0}"/>
-              </a:ext>
-            </a:extLst>
-          </p:cNvPr>
-          <p:cNvPicPr>
-            <a:picLocks noChangeAspect="1"/>
-          </p:cNvPicPr>
-          <p:nvPr/>
-        </p:nvPicPr>
-        <p:blipFill>
-          <a:blip r:embed="rId4"/>
-          <a:stretch>
-            <a:fillRect/>
-          </a:stretch>
-        </p:blipFill>
-        <p:spPr>
-          <a:xfrm>
-            <a:off x="2077756" y="1907181"/>
-            <a:ext cx="456043" cy="570053"/>
-          </a:xfrm>
-          <a:prstGeom prst="rect">
-            <a:avLst/>
-          </a:prstGeom>
-        </p:spPr>
-      </p:pic>
-      <p:sp>
-        <p:nvSpPr>
-          <p:cNvPr id="29" name="ZoneTexte 28">
-            <a:extLst>
-              <a:ext uri="{FF2B5EF4-FFF2-40B4-BE49-F238E27FC236}">
-                <a16:creationId xmlns:a16="http://schemas.microsoft.com/office/drawing/2014/main" id="{25CE2FC1-023D-CD1B-454B-B8F17FF09111}"/>
-              </a:ext>
-            </a:extLst>
-          </p:cNvPr>
-          <p:cNvSpPr txBox="1"/>
-          <p:nvPr/>
-        </p:nvSpPr>
-        <p:spPr>
-          <a:xfrm>
-            <a:off x="2676178" y="1831883"/>
-            <a:ext cx="3777448" cy="892552"/>
-          </a:xfrm>
-          <a:prstGeom prst="rect">
-            <a:avLst/>
-          </a:prstGeom>
-          <a:noFill/>
-        </p:spPr>
-        <p:txBody>
-          <a:bodyPr wrap="square" rtlCol="0">
-            <a:spAutoFit/>
-          </a:bodyPr>
-          <a:lstStyle/>
-          <a:p>
-            <a:r>
-              <a:rPr lang="fr-FR" sz="1600" i="1" dirty="0">
-                <a:latin typeface="Century Gothic" panose="020B0502020202020204" pitchFamily="34" charset="0"/>
-              </a:rPr>
-              <a:t>Laser switch </a:t>
-            </a:r>
-            <a:br>
-              <a:rPr lang="fr-FR" sz="1600" i="1" dirty="0">
-                <a:latin typeface="Century Gothic" panose="020B0502020202020204" pitchFamily="34" charset="0"/>
-              </a:rPr>
-            </a:br>
-            <a:r>
-              <a:rPr lang="en-US" sz="1200" i="1" dirty="0">
-                <a:latin typeface="Century Gothic" panose="020B0502020202020204" pitchFamily="34" charset="0"/>
-              </a:rPr>
-              <a:t>Stand in front of a switch and move in the direction of the switch to disable the lasers in the room</a:t>
-            </a:r>
-            <a:r>
-              <a:rPr lang="fr-FR" sz="1200" i="1" dirty="0">
-                <a:latin typeface="Century Gothic" panose="020B0502020202020204" pitchFamily="34" charset="0"/>
-              </a:rPr>
-              <a:t>.</a:t>
-            </a:r>
-          </a:p>
-        </p:txBody>
-      </p:sp>
-      <p:pic>
-        <p:nvPicPr>
-          <p:cNvPr id="19" name="Image 18">
-            <a:extLst>
-              <a:ext uri="{FF2B5EF4-FFF2-40B4-BE49-F238E27FC236}">
-                <a16:creationId xmlns:a16="http://schemas.microsoft.com/office/drawing/2014/main" id="{ECE7DD4E-FE23-6252-C857-F3DD5B5D13F4}"/>
-              </a:ext>
-            </a:extLst>
-          </p:cNvPr>
-          <p:cNvPicPr>
-            <a:picLocks noChangeAspect="1"/>
-          </p:cNvPicPr>
-          <p:nvPr/>
-        </p:nvPicPr>
-        <p:blipFill>
-          <a:blip r:embed="rId5"/>
-          <a:stretch>
-            <a:fillRect/>
-          </a:stretch>
-        </p:blipFill>
-        <p:spPr>
-          <a:xfrm>
-            <a:off x="2077756" y="2786402"/>
-            <a:ext cx="456043" cy="570054"/>
-          </a:xfrm>
-          <a:prstGeom prst="rect">
-            <a:avLst/>
-          </a:prstGeom>
-        </p:spPr>
-      </p:pic>
-      <p:sp>
-        <p:nvSpPr>
-          <p:cNvPr id="32" name="ZoneTexte 31">
-            <a:extLst>
-              <a:ext uri="{FF2B5EF4-FFF2-40B4-BE49-F238E27FC236}">
-                <a16:creationId xmlns:a16="http://schemas.microsoft.com/office/drawing/2014/main" id="{A19710E1-B3AA-C657-130B-6C4E2BC2403D}"/>
-              </a:ext>
-            </a:extLst>
-          </p:cNvPr>
-          <p:cNvSpPr txBox="1"/>
-          <p:nvPr/>
-        </p:nvSpPr>
-        <p:spPr>
-          <a:xfrm>
-            <a:off x="2676178" y="2696567"/>
-            <a:ext cx="3777448" cy="707886"/>
-          </a:xfrm>
-          <a:prstGeom prst="rect">
-            <a:avLst/>
-          </a:prstGeom>
-          <a:noFill/>
-        </p:spPr>
-        <p:txBody>
-          <a:bodyPr wrap="square" rtlCol="0">
-            <a:spAutoFit/>
-          </a:bodyPr>
-          <a:lstStyle/>
-          <a:p>
-            <a:r>
-              <a:rPr lang="fr-FR" sz="1600" i="1" dirty="0" err="1">
-                <a:latin typeface="Century Gothic" panose="020B0502020202020204" pitchFamily="34" charset="0"/>
-              </a:rPr>
-              <a:t>Wooden</a:t>
-            </a:r>
-            <a:r>
-              <a:rPr lang="fr-FR" sz="1600" i="1" dirty="0">
-                <a:latin typeface="Century Gothic" panose="020B0502020202020204" pitchFamily="34" charset="0"/>
-              </a:rPr>
-              <a:t> box</a:t>
-            </a:r>
-            <a:br>
-              <a:rPr lang="fr-FR" sz="1600" i="1" dirty="0">
-                <a:latin typeface="Century Gothic" panose="020B0502020202020204" pitchFamily="34" charset="0"/>
-              </a:rPr>
-            </a:br>
-            <a:r>
-              <a:rPr lang="en-US" sz="1200" i="1" dirty="0" err="1">
-                <a:latin typeface="Century Gothic" panose="020B0502020202020204" pitchFamily="34" charset="0"/>
-              </a:rPr>
-              <a:t>Mabool</a:t>
-            </a:r>
-            <a:r>
-              <a:rPr lang="en-US" sz="1200" i="1" dirty="0">
-                <a:latin typeface="Century Gothic" panose="020B0502020202020204" pitchFamily="34" charset="0"/>
-              </a:rPr>
-              <a:t> can move these crates by pushing them. Be careful not to block a passage!</a:t>
-            </a:r>
-            <a:endParaRPr lang="fr-FR" sz="1200" i="1" dirty="0">
-              <a:latin typeface="Century Gothic" panose="020B0502020202020204" pitchFamily="34" charset="0"/>
-            </a:endParaRPr>
-          </a:p>
-        </p:txBody>
-      </p:sp>
-      <p:pic>
-        <p:nvPicPr>
-          <p:cNvPr id="16" name="Image 15">
-            <a:extLst>
-              <a:ext uri="{FF2B5EF4-FFF2-40B4-BE49-F238E27FC236}">
-                <a16:creationId xmlns:a16="http://schemas.microsoft.com/office/drawing/2014/main" id="{0F7FD0EC-C091-4DB1-02A1-3BE19A1A56E2}"/>
-              </a:ext>
-            </a:extLst>
-          </p:cNvPr>
-          <p:cNvPicPr>
-            <a:picLocks noChangeAspect="1"/>
-          </p:cNvPicPr>
-          <p:nvPr/>
-        </p:nvPicPr>
-        <p:blipFill rotWithShape="1">
-          <a:blip r:embed="rId6"/>
-          <a:srcRect b="59564"/>
-          <a:stretch/>
-        </p:blipFill>
-        <p:spPr>
-          <a:xfrm>
-            <a:off x="2777383" y="6373547"/>
-            <a:ext cx="2243877" cy="256324"/>
-          </a:xfrm>
-          <a:prstGeom prst="rect">
-            <a:avLst/>
-          </a:prstGeom>
-        </p:spPr>
-      </p:pic>
-    </p:spTree>
-    <p:extLst>
-      <p:ext uri="{BB962C8B-B14F-4D97-AF65-F5344CB8AC3E}">
-        <p14:creationId xmlns:p14="http://schemas.microsoft.com/office/powerpoint/2010/main" val="3081842583"/>
-      </p:ext>
-    </p:extLst>
-  </p:cSld>
-  <p:clrMapOvr>
-    <a:masterClrMapping/>
-  </p:clrMapOvr>
-</p:sld>
-</file>
-
-<file path=ppt/slides/slide9.xml><?xml version="1.0" encoding="utf-8"?>
-<p:sld xmlns:a="http://schemas.openxmlformats.org/drawingml/2006/main" xmlns:r="http://schemas.openxmlformats.org/officeDocument/2006/relationships" xmlns:p="http://schemas.openxmlformats.org/presentationml/2006/main">
-  <p:cSld>
-    <p:spTree>
-      <p:nvGrpSpPr>
-        <p:cNvPr id="1" name=""/>
-        <p:cNvGrpSpPr/>
-        <p:nvPr/>
-      </p:nvGrpSpPr>
-      <p:grpSpPr>
-        <a:xfrm>
-          <a:off x="0" y="0"/>
-          <a:ext cx="0" cy="0"/>
-          <a:chOff x="0" y="0"/>
-          <a:chExt cx="0" cy="0"/>
-        </a:xfrm>
-      </p:grpSpPr>
-      <p:grpSp>
-        <p:nvGrpSpPr>
-          <p:cNvPr id="4" name="Groupe 3">
-            <a:extLst>
-              <a:ext uri="{FF2B5EF4-FFF2-40B4-BE49-F238E27FC236}">
-                <a16:creationId xmlns:a16="http://schemas.microsoft.com/office/drawing/2014/main" id="{245F472C-B6B9-EBE9-A183-510A380574F9}"/>
-              </a:ext>
-            </a:extLst>
-          </p:cNvPr>
-          <p:cNvGrpSpPr/>
-          <p:nvPr/>
-        </p:nvGrpSpPr>
-        <p:grpSpPr>
-          <a:xfrm>
-            <a:off x="1345018" y="0"/>
-            <a:ext cx="5108609" cy="6853139"/>
-            <a:chOff x="1573618" y="156802"/>
-            <a:chExt cx="5108609" cy="6853139"/>
-          </a:xfrm>
-          <a:solidFill>
-            <a:schemeClr val="bg1"/>
-          </a:solidFill>
-        </p:grpSpPr>
-        <p:sp>
-          <p:nvSpPr>
-            <p:cNvPr id="5" name="Rectangle 4">
-              <a:extLst>
-                <a:ext uri="{FF2B5EF4-FFF2-40B4-BE49-F238E27FC236}">
-                  <a16:creationId xmlns:a16="http://schemas.microsoft.com/office/drawing/2014/main" id="{EA6271CB-7CB1-8AF6-1FA1-E3EF4709453A}"/>
-                </a:ext>
-              </a:extLst>
-            </p:cNvPr>
-            <p:cNvSpPr/>
-            <p:nvPr/>
-          </p:nvSpPr>
-          <p:spPr>
-            <a:xfrm>
-              <a:off x="1573618" y="156802"/>
-              <a:ext cx="5108609" cy="6853139"/>
-            </a:xfrm>
-            <a:prstGeom prst="rect">
-              <a:avLst/>
-            </a:prstGeom>
-            <a:grpFill/>
-            <a:ln>
-              <a:solidFill>
-                <a:schemeClr val="bg1">
-                  <a:lumMod val="85000"/>
-                </a:schemeClr>
-              </a:solidFill>
-            </a:ln>
-          </p:spPr>
-          <p:style>
-            <a:lnRef idx="2">
-              <a:schemeClr val="accent1">
-                <a:shade val="50000"/>
-              </a:schemeClr>
-            </a:lnRef>
-            <a:fillRef idx="1">
-              <a:schemeClr val="accent1"/>
-            </a:fillRef>
-            <a:effectRef idx="0">
-              <a:schemeClr val="accent1"/>
-            </a:effectRef>
-            <a:fontRef idx="minor">
-              <a:schemeClr val="lt1"/>
-            </a:fontRef>
-          </p:style>
-          <p:txBody>
-            <a:bodyPr rtlCol="0" anchor="ctr"/>
-            <a:lstStyle/>
-            <a:p>
-              <a:pPr algn="ctr"/>
-              <a:endParaRPr lang="fr-FR"/>
-            </a:p>
-          </p:txBody>
-        </p:sp>
-        <p:sp>
-          <p:nvSpPr>
-            <p:cNvPr id="9" name="ZoneTexte 8">
-              <a:extLst>
-                <a:ext uri="{FF2B5EF4-FFF2-40B4-BE49-F238E27FC236}">
-                  <a16:creationId xmlns:a16="http://schemas.microsoft.com/office/drawing/2014/main" id="{7BF7CDFD-AAD3-9FA2-5875-D712D95DEF02}"/>
-                </a:ext>
-              </a:extLst>
-            </p:cNvPr>
-            <p:cNvSpPr txBox="1"/>
-            <p:nvPr/>
-          </p:nvSpPr>
-          <p:spPr>
-            <a:xfrm>
-              <a:off x="1573618" y="2438653"/>
-              <a:ext cx="5108609" cy="892552"/>
-            </a:xfrm>
-            <a:prstGeom prst="rect">
-              <a:avLst/>
-            </a:prstGeom>
-            <a:noFill/>
-          </p:spPr>
-          <p:txBody>
-            <a:bodyPr wrap="square" rtlCol="0">
-              <a:spAutoFit/>
-            </a:bodyPr>
-            <a:lstStyle/>
-            <a:p>
-              <a:pPr algn="ctr"/>
-              <a:r>
-                <a:rPr lang="fr-FR" sz="3600" b="1" dirty="0">
-                  <a:latin typeface="Century Gothic" panose="020B0502020202020204" pitchFamily="34" charset="0"/>
-                </a:rPr>
-                <a:t>MABOOL</a:t>
-              </a:r>
-              <a:br>
-                <a:rPr lang="fr-FR" sz="3600" b="1" dirty="0">
-                  <a:latin typeface="Century Gothic" panose="020B0502020202020204" pitchFamily="34" charset="0"/>
-                </a:rPr>
-              </a:br>
-              <a:r>
-                <a:rPr lang="fr-FR" sz="1600" b="1" dirty="0">
-                  <a:latin typeface="Century Gothic" panose="020B0502020202020204" pitchFamily="34" charset="0"/>
-                </a:rPr>
-                <a:t>pour Thomson MO5 et TO7-70</a:t>
-              </a:r>
-              <a:endParaRPr lang="fr-FR" sz="3600" b="1" dirty="0">
-                <a:latin typeface="Century Gothic" panose="020B0502020202020204" pitchFamily="34" charset="0"/>
-              </a:endParaRPr>
-            </a:p>
-          </p:txBody>
-        </p:sp>
-      </p:grpSp>
-      <p:sp>
-        <p:nvSpPr>
-          <p:cNvPr id="13" name="ZoneTexte 12">
-            <a:extLst>
-              <a:ext uri="{FF2B5EF4-FFF2-40B4-BE49-F238E27FC236}">
-                <a16:creationId xmlns:a16="http://schemas.microsoft.com/office/drawing/2014/main" id="{C5B08FF6-5C11-F8A0-EBAC-5FEF89CA0E8D}"/>
-              </a:ext>
-            </a:extLst>
-          </p:cNvPr>
-          <p:cNvSpPr txBox="1"/>
-          <p:nvPr/>
-        </p:nvSpPr>
-        <p:spPr>
-          <a:xfrm>
-            <a:off x="1345018" y="5460958"/>
-            <a:ext cx="5108609" cy="369332"/>
-          </a:xfrm>
-          <a:prstGeom prst="rect">
-            <a:avLst/>
-          </a:prstGeom>
-          <a:noFill/>
-        </p:spPr>
-        <p:txBody>
-          <a:bodyPr wrap="square" rtlCol="0">
-            <a:spAutoFit/>
-          </a:bodyPr>
-          <a:lstStyle/>
-          <a:p>
-            <a:pPr algn="ctr"/>
-            <a:r>
-              <a:rPr lang="fr-FR" b="1" dirty="0">
-                <a:latin typeface="Century Gothic" panose="020B0502020202020204" pitchFamily="34" charset="0"/>
-              </a:rPr>
-              <a:t>Baptiste Bideaux ©2022</a:t>
-            </a:r>
-          </a:p>
-        </p:txBody>
-      </p:sp>
-      <p:cxnSp>
-        <p:nvCxnSpPr>
-          <p:cNvPr id="15" name="Connecteur droit 14">
-            <a:extLst>
-              <a:ext uri="{FF2B5EF4-FFF2-40B4-BE49-F238E27FC236}">
-                <a16:creationId xmlns:a16="http://schemas.microsoft.com/office/drawing/2014/main" id="{2C3CD1F2-CFD8-B187-5787-0AFC0DF5C0B9}"/>
-              </a:ext>
-            </a:extLst>
-          </p:cNvPr>
-          <p:cNvCxnSpPr/>
-          <p:nvPr/>
-        </p:nvCxnSpPr>
-        <p:spPr>
-          <a:xfrm>
-            <a:off x="1345018" y="6150279"/>
-            <a:ext cx="5108609" cy="0"/>
-          </a:xfrm>
-          <a:prstGeom prst="line">
-            <a:avLst/>
-          </a:prstGeom>
-          <a:ln w="38100">
-            <a:solidFill>
-              <a:schemeClr val="tx1"/>
-            </a:solidFill>
-          </a:ln>
-        </p:spPr>
-        <p:style>
-          <a:lnRef idx="1">
-            <a:schemeClr val="accent1"/>
-          </a:lnRef>
-          <a:fillRef idx="0">
-            <a:schemeClr val="accent1"/>
-          </a:fillRef>
-          <a:effectRef idx="0">
-            <a:schemeClr val="accent1"/>
-          </a:effectRef>
-          <a:fontRef idx="minor">
-            <a:schemeClr val="tx1"/>
-          </a:fontRef>
-        </p:style>
-      </p:cxnSp>
-      <p:pic>
-        <p:nvPicPr>
-          <p:cNvPr id="10" name="Image 9">
-            <a:extLst>
-              <a:ext uri="{FF2B5EF4-FFF2-40B4-BE49-F238E27FC236}">
-                <a16:creationId xmlns:a16="http://schemas.microsoft.com/office/drawing/2014/main" id="{83D03EB0-BCEE-CEBC-E3B3-A3B4ED9D64F6}"/>
-              </a:ext>
-            </a:extLst>
-          </p:cNvPr>
-          <p:cNvPicPr>
-            <a:picLocks noChangeAspect="1"/>
-          </p:cNvPicPr>
-          <p:nvPr/>
-        </p:nvPicPr>
-        <p:blipFill rotWithShape="1">
-          <a:blip r:embed="rId2"/>
-          <a:srcRect b="59564"/>
-          <a:stretch/>
-        </p:blipFill>
-        <p:spPr>
-          <a:xfrm>
-            <a:off x="2777383" y="6373547"/>
-            <a:ext cx="2243877" cy="256324"/>
-          </a:xfrm>
-          <a:prstGeom prst="rect">
-            <a:avLst/>
-          </a:prstGeom>
-        </p:spPr>
-      </p:pic>
-    </p:spTree>
-    <p:extLst>
-      <p:ext uri="{BB962C8B-B14F-4D97-AF65-F5344CB8AC3E}">
-        <p14:creationId xmlns:p14="http://schemas.microsoft.com/office/powerpoint/2010/main" val="1985006253"/>
-      </p:ext>
-    </p:extLst>
-  </p:cSld>
-  <p:clrMapOvr>
-    <a:masterClrMapping/>
-  </p:clrMapOvr>
-</p:sld>
-</file>
-
 <file path=ppt/theme/theme1.xml><?xml version="1.0" encoding="utf-8"?>
 <a:theme xmlns:a="http://schemas.openxmlformats.org/drawingml/2006/main" name="Thème Office">
   <a:themeElements>
